--- a/docs/diagrams/ModelComponentClassDiagram.pptx
+++ b/docs/diagrams/ModelComponentClassDiagram.pptx
@@ -208,7 +208,7 @@
           <a:p>
             <a:fld id="{F5CC4B3F-88C1-4FFA-B1B6-F41C21DC6924}" type="datetimeFigureOut">
               <a:rPr lang="en-US" smtClean="0"/>
-              <a:t>2/26/2019</a:t>
+              <a:t>4/1/2019</a:t>
             </a:fld>
             <a:endParaRPr lang="en-US"/>
           </a:p>
@@ -654,7 +654,7 @@
           <a:p>
             <a:fld id="{78C97017-6FC3-485B-9764-EAC9E56C1D49}" type="datetimeFigureOut">
               <a:rPr lang="en-US" smtClean="0"/>
-              <a:t>2/26/2019</a:t>
+              <a:t>4/1/2019</a:t>
             </a:fld>
             <a:endParaRPr lang="en-US"/>
           </a:p>
@@ -822,7 +822,7 @@
           <a:p>
             <a:fld id="{78C97017-6FC3-485B-9764-EAC9E56C1D49}" type="datetimeFigureOut">
               <a:rPr lang="en-US" smtClean="0"/>
-              <a:t>2/26/2019</a:t>
+              <a:t>4/1/2019</a:t>
             </a:fld>
             <a:endParaRPr lang="en-US"/>
           </a:p>
@@ -1000,7 +1000,7 @@
           <a:p>
             <a:fld id="{78C97017-6FC3-485B-9764-EAC9E56C1D49}" type="datetimeFigureOut">
               <a:rPr lang="en-US" smtClean="0"/>
-              <a:t>2/26/2019</a:t>
+              <a:t>4/1/2019</a:t>
             </a:fld>
             <a:endParaRPr lang="en-US"/>
           </a:p>
@@ -1168,7 +1168,7 @@
           <a:p>
             <a:fld id="{78C97017-6FC3-485B-9764-EAC9E56C1D49}" type="datetimeFigureOut">
               <a:rPr lang="en-US" smtClean="0"/>
-              <a:t>2/26/2019</a:t>
+              <a:t>4/1/2019</a:t>
             </a:fld>
             <a:endParaRPr lang="en-US"/>
           </a:p>
@@ -1413,7 +1413,7 @@
           <a:p>
             <a:fld id="{78C97017-6FC3-485B-9764-EAC9E56C1D49}" type="datetimeFigureOut">
               <a:rPr lang="en-US" smtClean="0"/>
-              <a:t>2/26/2019</a:t>
+              <a:t>4/1/2019</a:t>
             </a:fld>
             <a:endParaRPr lang="en-US"/>
           </a:p>
@@ -1698,7 +1698,7 @@
           <a:p>
             <a:fld id="{78C97017-6FC3-485B-9764-EAC9E56C1D49}" type="datetimeFigureOut">
               <a:rPr lang="en-US" smtClean="0"/>
-              <a:t>2/26/2019</a:t>
+              <a:t>4/1/2019</a:t>
             </a:fld>
             <a:endParaRPr lang="en-US"/>
           </a:p>
@@ -2117,7 +2117,7 @@
           <a:p>
             <a:fld id="{78C97017-6FC3-485B-9764-EAC9E56C1D49}" type="datetimeFigureOut">
               <a:rPr lang="en-US" smtClean="0"/>
-              <a:t>2/26/2019</a:t>
+              <a:t>4/1/2019</a:t>
             </a:fld>
             <a:endParaRPr lang="en-US"/>
           </a:p>
@@ -2234,7 +2234,7 @@
           <a:p>
             <a:fld id="{78C97017-6FC3-485B-9764-EAC9E56C1D49}" type="datetimeFigureOut">
               <a:rPr lang="en-US" smtClean="0"/>
-              <a:t>2/26/2019</a:t>
+              <a:t>4/1/2019</a:t>
             </a:fld>
             <a:endParaRPr lang="en-US"/>
           </a:p>
@@ -2329,7 +2329,7 @@
           <a:p>
             <a:fld id="{78C97017-6FC3-485B-9764-EAC9E56C1D49}" type="datetimeFigureOut">
               <a:rPr lang="en-US" smtClean="0"/>
-              <a:t>2/26/2019</a:t>
+              <a:t>4/1/2019</a:t>
             </a:fld>
             <a:endParaRPr lang="en-US"/>
           </a:p>
@@ -2604,7 +2604,7 @@
           <a:p>
             <a:fld id="{78C97017-6FC3-485B-9764-EAC9E56C1D49}" type="datetimeFigureOut">
               <a:rPr lang="en-US" smtClean="0"/>
-              <a:t>2/26/2019</a:t>
+              <a:t>4/1/2019</a:t>
             </a:fld>
             <a:endParaRPr lang="en-US"/>
           </a:p>
@@ -2856,7 +2856,7 @@
           <a:p>
             <a:fld id="{78C97017-6FC3-485B-9764-EAC9E56C1D49}" type="datetimeFigureOut">
               <a:rPr lang="en-US" smtClean="0"/>
-              <a:t>2/26/2019</a:t>
+              <a:t>4/1/2019</a:t>
             </a:fld>
             <a:endParaRPr lang="en-US"/>
           </a:p>
@@ -3067,7 +3067,7 @@
           <a:p>
             <a:fld id="{78C97017-6FC3-485B-9764-EAC9E56C1D49}" type="datetimeFigureOut">
               <a:rPr lang="en-US" smtClean="0"/>
-              <a:t>2/26/2019</a:t>
+              <a:t>4/1/2019</a:t>
             </a:fld>
             <a:endParaRPr lang="en-US"/>
           </a:p>
@@ -3444,10 +3444,10 @@
       </p:grpSpPr>
       <p:grpSp>
         <p:nvGrpSpPr>
-          <p:cNvPr id="3" name="Group 2">
+          <p:cNvPr id="309" name="Group 308">
             <a:extLst>
               <a:ext uri="{FF2B5EF4-FFF2-40B4-BE49-F238E27FC236}">
-                <a16:creationId xmlns:a16="http://schemas.microsoft.com/office/drawing/2014/main" id="{0ABF031D-5A30-4DBD-BEB9-6EC7D2E9F909}"/>
+                <a16:creationId xmlns:a16="http://schemas.microsoft.com/office/drawing/2014/main" id="{F135F1ED-4A3E-4064-9F52-61DF81FFB4BD}"/>
               </a:ext>
             </a:extLst>
           </p:cNvPr>
@@ -3456,10 +3456,10 @@
         </p:nvGrpSpPr>
         <p:grpSpPr>
           <a:xfrm>
-            <a:off x="2434091" y="1600200"/>
-            <a:ext cx="7723644" cy="3124200"/>
-            <a:chOff x="910091" y="1600200"/>
-            <a:chExt cx="7723644" cy="3124200"/>
+            <a:off x="2434091" y="1518812"/>
+            <a:ext cx="7014709" cy="4023768"/>
+            <a:chOff x="2434091" y="1518812"/>
+            <a:chExt cx="7014709" cy="4023768"/>
           </a:xfrm>
         </p:grpSpPr>
         <p:sp>
@@ -3470,8 +3470,8 @@
           </p:nvSpPr>
           <p:spPr>
             <a:xfrm>
-              <a:off x="1143000" y="1600200"/>
-              <a:ext cx="7490735" cy="3124200"/>
+              <a:off x="2643865" y="1518812"/>
+              <a:ext cx="6804935" cy="4023768"/>
             </a:xfrm>
             <a:prstGeom prst="roundRect">
               <a:avLst>
@@ -3531,7 +3531,7 @@
           </p:nvSpPr>
           <p:spPr>
             <a:xfrm>
-              <a:off x="2825280" y="3463240"/>
+              <a:off x="3286162" y="5084420"/>
               <a:ext cx="878211" cy="346760"/>
             </a:xfrm>
             <a:prstGeom prst="rect">
@@ -3587,7 +3587,7 @@
           </p:nvSpPr>
           <p:spPr>
             <a:xfrm rot="16200000">
-              <a:off x="1661548" y="3097750"/>
+              <a:off x="3133721" y="2861510"/>
               <a:ext cx="1093635" cy="346760"/>
             </a:xfrm>
             <a:prstGeom prst="rect">
@@ -3638,51 +3638,6 @@
             </a:p>
           </p:txBody>
         </p:sp>
-        <p:cxnSp>
-          <p:nvCxnSpPr>
-            <p:cNvPr id="107" name="Elbow Connector 106"/>
-            <p:cNvCxnSpPr>
-              <a:cxnSpLocks/>
-              <a:stCxn id="9" idx="1"/>
-              <a:endCxn id="62" idx="2"/>
-            </p:cNvCxnSpPr>
-            <p:nvPr/>
-          </p:nvCxnSpPr>
-          <p:spPr>
-            <a:xfrm rot="5400000" flipH="1" flipV="1">
-              <a:off x="4131507" y="1281685"/>
-              <a:ext cx="613122" cy="4459404"/>
-            </a:xfrm>
-            <a:prstGeom prst="bentConnector3">
-              <a:avLst>
-                <a:gd name="adj1" fmla="val -26668"/>
-              </a:avLst>
-            </a:prstGeom>
-            <a:ln w="19050">
-              <a:solidFill>
-                <a:srgbClr val="7030A0"/>
-              </a:solidFill>
-              <a:prstDash val="solid"/>
-              <a:headEnd type="none" w="med" len="med"/>
-              <a:tailEnd type="arrow" w="med" len="med"/>
-            </a:ln>
-            <a:effectLst/>
-          </p:spPr>
-          <p:style>
-            <a:lnRef idx="1">
-              <a:schemeClr val="accent2"/>
-            </a:lnRef>
-            <a:fillRef idx="2">
-              <a:schemeClr val="accent2"/>
-            </a:fillRef>
-            <a:effectRef idx="1">
-              <a:schemeClr val="accent2"/>
-            </a:effectRef>
-            <a:fontRef idx="minor">
-              <a:schemeClr val="dk1"/>
-            </a:fontRef>
-          </p:style>
-        </p:cxnSp>
         <p:sp>
           <p:nvSpPr>
             <p:cNvPr id="119" name="Rectangle 62"/>
@@ -3691,7 +3646,7 @@
           </p:nvSpPr>
           <p:spPr>
             <a:xfrm rot="16200000">
-              <a:off x="956202" y="2861202"/>
+              <a:off x="2480202" y="2861202"/>
               <a:ext cx="1093635" cy="346760"/>
             </a:xfrm>
             <a:prstGeom prst="rect">
@@ -3761,7 +3716,7 @@
           </p:nvSpPr>
           <p:spPr>
             <a:xfrm rot="16200000">
-              <a:off x="1626910" y="2952291"/>
+              <a:off x="3150910" y="2952291"/>
               <a:ext cx="270504" cy="175523"/>
             </a:xfrm>
             <a:prstGeom prst="triangle">
@@ -3802,55 +3757,13 @@
         </p:sp>
         <p:cxnSp>
           <p:nvCxnSpPr>
-            <p:cNvPr id="58" name="Straight Arrow Connector 57"/>
-            <p:cNvCxnSpPr>
-              <a:cxnSpLocks/>
-              <a:stCxn id="42" idx="3"/>
-              <a:endCxn id="2" idx="1"/>
-            </p:cNvCxnSpPr>
-            <p:nvPr/>
-          </p:nvCxnSpPr>
-          <p:spPr>
-            <a:xfrm>
-              <a:off x="2609828" y="3636620"/>
-              <a:ext cx="215452" cy="0"/>
-            </a:xfrm>
-            <a:prstGeom prst="straightConnector1">
-              <a:avLst/>
-            </a:prstGeom>
-            <a:ln w="19050">
-              <a:solidFill>
-                <a:srgbClr val="7030A0"/>
-              </a:solidFill>
-              <a:headEnd type="none" w="med" len="med"/>
-              <a:tailEnd type="arrow" w="med" len="med"/>
-            </a:ln>
-            <a:effectLst/>
-          </p:spPr>
-          <p:style>
-            <a:lnRef idx="1">
-              <a:schemeClr val="accent2"/>
-            </a:lnRef>
-            <a:fillRef idx="2">
-              <a:schemeClr val="accent2"/>
-            </a:fillRef>
-            <a:effectRef idx="1">
-              <a:schemeClr val="accent2"/>
-            </a:effectRef>
-            <a:fontRef idx="minor">
-              <a:schemeClr val="dk1"/>
-            </a:fontRef>
-          </p:style>
-        </p:cxnSp>
-        <p:cxnSp>
-          <p:nvCxnSpPr>
             <p:cNvPr id="75" name="Elbow Connector 122"/>
             <p:cNvCxnSpPr/>
             <p:nvPr/>
           </p:nvCxnSpPr>
           <p:spPr>
             <a:xfrm>
-              <a:off x="910091" y="3040053"/>
+              <a:off x="2434091" y="3040053"/>
               <a:ext cx="419548" cy="2860"/>
             </a:xfrm>
             <a:prstGeom prst="bentConnector3">
@@ -3895,7 +3808,7 @@
           </p:nvCxnSpPr>
           <p:spPr>
             <a:xfrm flipV="1">
-              <a:off x="1849924" y="3040052"/>
+              <a:off x="3373924" y="3040052"/>
               <a:ext cx="216105" cy="1"/>
             </a:xfrm>
             <a:prstGeom prst="line">
@@ -3933,8 +3846,8 @@
             <p:nvPr/>
           </p:nvSpPr>
           <p:spPr>
-            <a:xfrm>
-              <a:off x="2373780" y="3549930"/>
+            <a:xfrm rot="5400000">
+              <a:off x="3598358" y="3629053"/>
               <a:ext cx="236048" cy="173380"/>
             </a:xfrm>
             <a:prstGeom prst="flowChartDecision">
@@ -3978,9 +3891,9 @@
             <p:nvPr/>
           </p:nvSpPr>
           <p:spPr>
-            <a:xfrm>
-              <a:off x="2825280" y="2846162"/>
-              <a:ext cx="1490560" cy="334856"/>
+            <a:xfrm rot="16200000">
+              <a:off x="5669376" y="2229946"/>
+              <a:ext cx="1154158" cy="426501"/>
             </a:xfrm>
             <a:prstGeom prst="rect">
               <a:avLst/>
@@ -4012,12 +3925,27 @@
             <a:p>
               <a:pPr algn="ctr"/>
               <a:r>
+                <a:rPr lang="en-US" sz="1050" dirty="0">
+                  <a:solidFill>
+                    <a:srgbClr val="7030A0"/>
+                  </a:solidFill>
+                </a:rPr>
+                <a:t>Versioned</a:t>
+              </a:r>
+              <a:br>
+                <a:rPr lang="en-US" sz="1050" dirty="0">
+                  <a:solidFill>
+                    <a:srgbClr val="7030A0"/>
+                  </a:solidFill>
+                </a:rPr>
+              </a:br>
+              <a:r>
                 <a:rPr lang="en-US" sz="1050" dirty="0" err="1">
                   <a:solidFill>
                     <a:srgbClr val="7030A0"/>
                   </a:solidFill>
                 </a:rPr>
-                <a:t>VersionedAddressBook</a:t>
+                <a:t>AddressBook</a:t>
               </a:r>
               <a:endParaRPr lang="en-SG" sz="1050" dirty="0">
                 <a:solidFill>
@@ -4031,15 +3959,15 @@
           <p:nvCxnSpPr>
             <p:cNvPr id="47" name="Straight Arrow Connector 46"/>
             <p:cNvCxnSpPr>
+              <a:cxnSpLocks/>
               <a:stCxn id="48" idx="3"/>
-              <a:endCxn id="46" idx="1"/>
             </p:cNvCxnSpPr>
             <p:nvPr/>
           </p:nvCxnSpPr>
           <p:spPr>
-            <a:xfrm>
-              <a:off x="2624360" y="3003033"/>
-              <a:ext cx="200920" cy="10557"/>
+            <a:xfrm flipV="1">
+              <a:off x="5831587" y="2177727"/>
+              <a:ext cx="195170" cy="8461"/>
             </a:xfrm>
             <a:prstGeom prst="straightConnector1">
               <a:avLst/>
@@ -4076,7 +4004,7 @@
           </p:nvSpPr>
           <p:spPr>
             <a:xfrm>
-              <a:off x="2388312" y="2916343"/>
+              <a:off x="5595539" y="2099498"/>
               <a:ext cx="236048" cy="173380"/>
             </a:xfrm>
             <a:prstGeom prst="flowChartDecision">
@@ -4121,8 +4049,8 @@
           </p:nvSpPr>
           <p:spPr>
             <a:xfrm>
-              <a:off x="4692650" y="2846162"/>
-              <a:ext cx="1186474" cy="346760"/>
+              <a:off x="7076628" y="1839428"/>
+              <a:ext cx="1305371" cy="346760"/>
             </a:xfrm>
             <a:prstGeom prst="rect">
               <a:avLst/>
@@ -4177,7 +4105,7 @@
           </p:nvSpPr>
           <p:spPr>
             <a:xfrm>
-              <a:off x="4324972" y="2920532"/>
+              <a:off x="6473636" y="1899727"/>
               <a:ext cx="236048" cy="173380"/>
             </a:xfrm>
             <a:prstGeom prst="flowChartDecision">
@@ -4218,155 +4146,13 @@
         </p:sp>
         <p:sp>
           <p:nvSpPr>
-            <p:cNvPr id="62" name="Rectangle 8"/>
-            <p:cNvSpPr/>
-            <p:nvPr/>
-          </p:nvSpPr>
-          <p:spPr>
-            <a:xfrm>
-              <a:off x="6313677" y="2858066"/>
-              <a:ext cx="708186" cy="346760"/>
-            </a:xfrm>
-            <a:prstGeom prst="rect">
-              <a:avLst/>
-            </a:prstGeom>
-            <a:ln w="19050">
-              <a:solidFill>
-                <a:srgbClr val="7030A0"/>
-              </a:solidFill>
-            </a:ln>
-            <a:effectLst/>
-          </p:spPr>
-          <p:style>
-            <a:lnRef idx="1">
-              <a:schemeClr val="accent4"/>
-            </a:lnRef>
-            <a:fillRef idx="2">
-              <a:schemeClr val="accent4"/>
-            </a:fillRef>
-            <a:effectRef idx="1">
-              <a:schemeClr val="accent4"/>
-            </a:effectRef>
-            <a:fontRef idx="minor">
-              <a:schemeClr val="dk1"/>
-            </a:fontRef>
-          </p:style>
-          <p:txBody>
-            <a:bodyPr rtlCol="0" anchor="ctr"/>
-            <a:lstStyle/>
-            <a:p>
-              <a:pPr algn="ctr"/>
-              <a:r>
-                <a:rPr lang="en-US" sz="1050">
-                  <a:solidFill>
-                    <a:srgbClr val="7030A0"/>
-                  </a:solidFill>
-                </a:rPr>
-                <a:t>Module</a:t>
-              </a:r>
-              <a:endParaRPr lang="en-SG" sz="1050" dirty="0">
-                <a:solidFill>
-                  <a:srgbClr val="7030A0"/>
-                </a:solidFill>
-              </a:endParaRPr>
-            </a:p>
-          </p:txBody>
-        </p:sp>
-        <p:sp>
-          <p:nvSpPr>
-            <p:cNvPr id="63" name="Flowchart: Decision 96"/>
-            <p:cNvSpPr/>
-            <p:nvPr/>
-          </p:nvSpPr>
-          <p:spPr>
-            <a:xfrm>
-              <a:off x="5881886" y="2941676"/>
-              <a:ext cx="236048" cy="173380"/>
-            </a:xfrm>
-            <a:prstGeom prst="flowChartDecision">
-              <a:avLst/>
-            </a:prstGeom>
-            <a:noFill/>
-            <a:ln w="19050">
-              <a:solidFill>
-                <a:srgbClr val="7030A0"/>
-              </a:solidFill>
-            </a:ln>
-            <a:effectLst/>
-          </p:spPr>
-          <p:style>
-            <a:lnRef idx="1">
-              <a:schemeClr val="accent6"/>
-            </a:lnRef>
-            <a:fillRef idx="2">
-              <a:schemeClr val="accent6"/>
-            </a:fillRef>
-            <a:effectRef idx="1">
-              <a:schemeClr val="accent6"/>
-            </a:effectRef>
-            <a:fontRef idx="minor">
-              <a:schemeClr val="dk1"/>
-            </a:fontRef>
-          </p:style>
-          <p:txBody>
-            <a:bodyPr rtlCol="0" anchor="ctr"/>
-            <a:lstStyle/>
-            <a:p>
-              <a:pPr algn="ctr"/>
-              <a:endParaRPr lang="en-US" sz="1050"/>
-            </a:p>
-          </p:txBody>
-        </p:sp>
-        <p:cxnSp>
-          <p:nvCxnSpPr>
-            <p:cNvPr id="64" name="Elbow Connector 63"/>
-            <p:cNvCxnSpPr>
-              <a:stCxn id="63" idx="3"/>
-              <a:endCxn id="62" idx="1"/>
-            </p:cNvCxnSpPr>
-            <p:nvPr/>
-          </p:nvCxnSpPr>
-          <p:spPr>
-            <a:xfrm>
-              <a:off x="6117934" y="3028366"/>
-              <a:ext cx="195743" cy="3080"/>
-            </a:xfrm>
-            <a:prstGeom prst="bentConnector3">
-              <a:avLst/>
-            </a:prstGeom>
-            <a:ln w="19050">
-              <a:solidFill>
-                <a:srgbClr val="7030A0"/>
-              </a:solidFill>
-              <a:headEnd type="none" w="med" len="med"/>
-              <a:tailEnd type="arrow" w="med" len="med"/>
-            </a:ln>
-            <a:effectLst/>
-          </p:spPr>
-          <p:style>
-            <a:lnRef idx="1">
-              <a:schemeClr val="accent2"/>
-            </a:lnRef>
-            <a:fillRef idx="2">
-              <a:schemeClr val="accent2"/>
-            </a:fillRef>
-            <a:effectRef idx="1">
-              <a:schemeClr val="accent2"/>
-            </a:effectRef>
-            <a:fontRef idx="minor">
-              <a:schemeClr val="dk1"/>
-            </a:fontRef>
-          </p:style>
-        </p:cxnSp>
-        <p:sp>
-          <p:nvSpPr>
             <p:cNvPr id="76" name="Rectangle 8"/>
             <p:cNvSpPr/>
             <p:nvPr/>
           </p:nvSpPr>
           <p:spPr>
             <a:xfrm>
-              <a:off x="7712397" y="2564238"/>
+              <a:off x="7496227" y="4114049"/>
               <a:ext cx="708186" cy="285783"/>
             </a:xfrm>
             <a:prstGeom prst="rect">
@@ -4414,67 +4200,22 @@
             </a:p>
           </p:txBody>
         </p:sp>
-        <p:sp>
-          <p:nvSpPr>
-            <p:cNvPr id="78" name="Flowchart: Decision 96"/>
-            <p:cNvSpPr/>
-            <p:nvPr/>
-          </p:nvSpPr>
-          <p:spPr>
-            <a:xfrm>
-              <a:off x="7041947" y="2948201"/>
-              <a:ext cx="236048" cy="173380"/>
-            </a:xfrm>
-            <a:prstGeom prst="flowChartDecision">
-              <a:avLst/>
-            </a:prstGeom>
-            <a:solidFill>
-              <a:srgbClr val="7030A0"/>
-            </a:solidFill>
-            <a:ln w="19050">
-              <a:solidFill>
-                <a:srgbClr val="7030A0"/>
-              </a:solidFill>
-            </a:ln>
-            <a:effectLst/>
-          </p:spPr>
-          <p:style>
-            <a:lnRef idx="1">
-              <a:schemeClr val="accent6"/>
-            </a:lnRef>
-            <a:fillRef idx="2">
-              <a:schemeClr val="accent6"/>
-            </a:fillRef>
-            <a:effectRef idx="1">
-              <a:schemeClr val="accent6"/>
-            </a:effectRef>
-            <a:fontRef idx="minor">
-              <a:schemeClr val="dk1"/>
-            </a:fontRef>
-          </p:style>
-          <p:txBody>
-            <a:bodyPr rtlCol="0" anchor="ctr"/>
-            <a:lstStyle/>
-            <a:p>
-              <a:pPr algn="ctr"/>
-              <a:endParaRPr lang="en-US" sz="1050"/>
-            </a:p>
-          </p:txBody>
-        </p:sp>
         <p:cxnSp>
           <p:nvCxnSpPr>
             <p:cNvPr id="79" name="Elbow Connector 78"/>
             <p:cNvCxnSpPr>
               <a:cxnSpLocks/>
+              <a:stCxn id="169" idx="3"/>
+              <a:endCxn id="153" idx="3"/>
             </p:cNvCxnSpPr>
             <p:nvPr/>
           </p:nvCxnSpPr>
           <p:spPr>
-            <a:xfrm flipV="1">
-              <a:off x="7277995" y="2706821"/>
-              <a:ext cx="434402" cy="327761"/>
-            </a:xfrm>
-            <a:prstGeom prst="bentConnector3">
+            <a:xfrm rot="5400000">
+              <a:off x="4717330" y="4158687"/>
+              <a:ext cx="162874" cy="329447"/>
+            </a:xfrm>
+            <a:prstGeom prst="bentConnector2">
               <a:avLst/>
             </a:prstGeom>
             <a:ln w="19050">
@@ -4509,7 +4250,7 @@
           </p:nvSpPr>
           <p:spPr>
             <a:xfrm>
-              <a:off x="7712397" y="2887216"/>
+              <a:off x="7496227" y="4459093"/>
               <a:ext cx="708186" cy="285783"/>
             </a:xfrm>
             <a:prstGeom prst="rect">
@@ -4547,7 +4288,7 @@
                     <a:srgbClr val="7030A0"/>
                   </a:solidFill>
                 </a:rPr>
-                <a:t>Phone</a:t>
+                <a:t>Credits</a:t>
               </a:r>
               <a:endParaRPr lang="en-SG" sz="1050" dirty="0">
                 <a:solidFill>
@@ -4561,17 +4302,17 @@
           <p:nvCxnSpPr>
             <p:cNvPr id="81" name="Elbow Connector 80"/>
             <p:cNvCxnSpPr>
-              <a:stCxn id="78" idx="3"/>
-              <a:endCxn id="80" idx="1"/>
+              <a:cxnSpLocks/>
+              <a:endCxn id="150" idx="0"/>
             </p:cNvCxnSpPr>
             <p:nvPr/>
           </p:nvCxnSpPr>
           <p:spPr>
-            <a:xfrm flipV="1">
-              <a:off x="7277995" y="3030108"/>
-              <a:ext cx="434402" cy="4783"/>
-            </a:xfrm>
-            <a:prstGeom prst="bentConnector3">
+            <a:xfrm>
+              <a:off x="3865756" y="3438072"/>
+              <a:ext cx="2772000" cy="178025"/>
+            </a:xfrm>
+            <a:prstGeom prst="bentConnector2">
               <a:avLst/>
             </a:prstGeom>
             <a:ln w="19050">
@@ -4606,7 +4347,7 @@
           </p:nvSpPr>
           <p:spPr>
             <a:xfrm>
-              <a:off x="7712397" y="3210194"/>
+              <a:off x="6450600" y="5105399"/>
               <a:ext cx="708186" cy="285783"/>
             </a:xfrm>
             <a:prstGeom prst="rect">
@@ -4639,203 +4380,16 @@
             <a:p>
               <a:pPr algn="ctr"/>
               <a:r>
-                <a:rPr lang="en-US" sz="1050" dirty="0">
+                <a:rPr lang="en-SG" sz="1050" dirty="0">
                   <a:solidFill>
                     <a:srgbClr val="7030A0"/>
                   </a:solidFill>
                 </a:rPr>
-                <a:t>Email</a:t>
+                <a:t>Code</a:t>
               </a:r>
-              <a:endParaRPr lang="en-SG" sz="1050" dirty="0">
-                <a:solidFill>
-                  <a:srgbClr val="7030A0"/>
-                </a:solidFill>
-              </a:endParaRPr>
             </a:p>
           </p:txBody>
         </p:sp>
-        <p:cxnSp>
-          <p:nvCxnSpPr>
-            <p:cNvPr id="84" name="Elbow Connector 83"/>
-            <p:cNvCxnSpPr>
-              <a:stCxn id="78" idx="3"/>
-              <a:endCxn id="83" idx="1"/>
-            </p:cNvCxnSpPr>
-            <p:nvPr/>
-          </p:nvCxnSpPr>
-          <p:spPr>
-            <a:xfrm>
-              <a:off x="7277995" y="3034891"/>
-              <a:ext cx="434402" cy="318195"/>
-            </a:xfrm>
-            <a:prstGeom prst="bentConnector3">
-              <a:avLst/>
-            </a:prstGeom>
-            <a:ln w="19050">
-              <a:solidFill>
-                <a:srgbClr val="7030A0"/>
-              </a:solidFill>
-              <a:headEnd type="none" w="med" len="med"/>
-              <a:tailEnd type="arrow" w="med" len="med"/>
-            </a:ln>
-            <a:effectLst/>
-          </p:spPr>
-          <p:style>
-            <a:lnRef idx="1">
-              <a:schemeClr val="accent2"/>
-            </a:lnRef>
-            <a:fillRef idx="2">
-              <a:schemeClr val="accent2"/>
-            </a:fillRef>
-            <a:effectRef idx="1">
-              <a:schemeClr val="accent2"/>
-            </a:effectRef>
-            <a:fontRef idx="minor">
-              <a:schemeClr val="dk1"/>
-            </a:fontRef>
-          </p:style>
-        </p:cxnSp>
-        <p:sp>
-          <p:nvSpPr>
-            <p:cNvPr id="85" name="Rectangle 8"/>
-            <p:cNvSpPr/>
-            <p:nvPr/>
-          </p:nvSpPr>
-          <p:spPr>
-            <a:xfrm>
-              <a:off x="7712397" y="3533171"/>
-              <a:ext cx="708186" cy="285783"/>
-            </a:xfrm>
-            <a:prstGeom prst="rect">
-              <a:avLst/>
-            </a:prstGeom>
-            <a:ln w="19050">
-              <a:solidFill>
-                <a:srgbClr val="7030A0"/>
-              </a:solidFill>
-            </a:ln>
-            <a:effectLst/>
-          </p:spPr>
-          <p:style>
-            <a:lnRef idx="1">
-              <a:schemeClr val="accent4"/>
-            </a:lnRef>
-            <a:fillRef idx="2">
-              <a:schemeClr val="accent4"/>
-            </a:fillRef>
-            <a:effectRef idx="1">
-              <a:schemeClr val="accent4"/>
-            </a:effectRef>
-            <a:fontRef idx="minor">
-              <a:schemeClr val="dk1"/>
-            </a:fontRef>
-          </p:style>
-          <p:txBody>
-            <a:bodyPr rtlCol="0" anchor="ctr"/>
-            <a:lstStyle/>
-            <a:p>
-              <a:pPr algn="ctr"/>
-              <a:r>
-                <a:rPr lang="en-US" sz="1050" dirty="0">
-                  <a:solidFill>
-                    <a:srgbClr val="7030A0"/>
-                  </a:solidFill>
-                </a:rPr>
-                <a:t>Address</a:t>
-              </a:r>
-              <a:endParaRPr lang="en-SG" sz="1050" dirty="0">
-                <a:solidFill>
-                  <a:srgbClr val="7030A0"/>
-                </a:solidFill>
-              </a:endParaRPr>
-            </a:p>
-          </p:txBody>
-        </p:sp>
-        <p:cxnSp>
-          <p:nvCxnSpPr>
-            <p:cNvPr id="86" name="Elbow Connector 85"/>
-            <p:cNvCxnSpPr>
-              <a:stCxn id="78" idx="3"/>
-              <a:endCxn id="85" idx="1"/>
-            </p:cNvCxnSpPr>
-            <p:nvPr/>
-          </p:nvCxnSpPr>
-          <p:spPr>
-            <a:xfrm>
-              <a:off x="7277995" y="3034891"/>
-              <a:ext cx="434402" cy="641172"/>
-            </a:xfrm>
-            <a:prstGeom prst="bentConnector3">
-              <a:avLst/>
-            </a:prstGeom>
-            <a:ln w="19050">
-              <a:solidFill>
-                <a:srgbClr val="7030A0"/>
-              </a:solidFill>
-              <a:headEnd type="none" w="med" len="med"/>
-              <a:tailEnd type="arrow" w="med" len="med"/>
-            </a:ln>
-            <a:effectLst/>
-          </p:spPr>
-          <p:style>
-            <a:lnRef idx="1">
-              <a:schemeClr val="accent2"/>
-            </a:lnRef>
-            <a:fillRef idx="2">
-              <a:schemeClr val="accent2"/>
-            </a:fillRef>
-            <a:effectRef idx="1">
-              <a:schemeClr val="accent2"/>
-            </a:effectRef>
-            <a:fontRef idx="minor">
-              <a:schemeClr val="dk1"/>
-            </a:fontRef>
-          </p:style>
-        </p:cxnSp>
-        <p:cxnSp>
-          <p:nvCxnSpPr>
-            <p:cNvPr id="97" name="Elbow Connector 63"/>
-            <p:cNvCxnSpPr>
-              <a:cxnSpLocks/>
-              <a:stCxn id="99" idx="3"/>
-            </p:cNvCxnSpPr>
-            <p:nvPr/>
-          </p:nvCxnSpPr>
-          <p:spPr>
-            <a:xfrm rot="16200000" flipH="1">
-              <a:off x="3566454" y="2680653"/>
-              <a:ext cx="274076" cy="1"/>
-            </a:xfrm>
-            <a:prstGeom prst="bentConnector3">
-              <a:avLst>
-                <a:gd name="adj1" fmla="val 50000"/>
-              </a:avLst>
-            </a:prstGeom>
-            <a:ln w="19050">
-              <a:solidFill>
-                <a:srgbClr val="7030A0"/>
-              </a:solidFill>
-              <a:prstDash val="sysDot"/>
-              <a:headEnd type="none" w="med" len="med"/>
-              <a:tailEnd type="none" w="med" len="med"/>
-            </a:ln>
-            <a:effectLst/>
-          </p:spPr>
-          <p:style>
-            <a:lnRef idx="1">
-              <a:schemeClr val="accent2"/>
-            </a:lnRef>
-            <a:fillRef idx="2">
-              <a:schemeClr val="accent2"/>
-            </a:fillRef>
-            <a:effectRef idx="1">
-              <a:schemeClr val="accent2"/>
-            </a:effectRef>
-            <a:fontRef idx="minor">
-              <a:schemeClr val="dk1"/>
-            </a:fontRef>
-          </p:style>
-        </p:cxnSp>
         <p:sp>
           <p:nvSpPr>
             <p:cNvPr id="99" name="Isosceles Triangle 102"/>
@@ -4843,8 +4397,8 @@
             <p:nvPr/>
           </p:nvSpPr>
           <p:spPr>
-            <a:xfrm rot="10800000" flipV="1">
-              <a:off x="3562299" y="2386554"/>
+            <a:xfrm rot="16200000" flipV="1">
+              <a:off x="5811287" y="2752062"/>
               <a:ext cx="282387" cy="157062"/>
             </a:xfrm>
             <a:prstGeom prst="triangle">
@@ -4898,7 +4452,7 @@
           </p:nvSpPr>
           <p:spPr>
             <a:xfrm>
-              <a:off x="1260922" y="1998350"/>
+              <a:off x="2784922" y="1998350"/>
               <a:ext cx="1443661" cy="364396"/>
             </a:xfrm>
             <a:prstGeom prst="rect">
@@ -4968,8 +4522,8 @@
             <p:nvPr/>
           </p:nvSpPr>
           <p:spPr>
-            <a:xfrm rot="16200000">
-              <a:off x="6362886" y="3586305"/>
+            <a:xfrm>
+              <a:off x="3902439" y="3393425"/>
               <a:ext cx="881018" cy="261610"/>
             </a:xfrm>
             <a:prstGeom prst="rect">
@@ -5007,8 +4561,8 @@
             <p:nvPr/>
           </p:nvSpPr>
           <p:spPr>
-            <a:xfrm>
-              <a:off x="2057401" y="4239491"/>
+            <a:xfrm rot="16200000">
+              <a:off x="2516026" y="4719491"/>
               <a:ext cx="1066800" cy="346760"/>
             </a:xfrm>
             <a:prstGeom prst="rect">
@@ -5049,7 +4603,7 @@
                 <a:t>&lt;&lt;interface&gt;&gt;</a:t>
               </a:r>
               <a:br>
-                <a:rPr lang="en-US" sz="1050">
+                <a:rPr lang="en-US" sz="1050" dirty="0">
                   <a:solidFill>
                     <a:srgbClr val="7030A0"/>
                   </a:solidFill>
@@ -5075,18 +4629,20 @@
           <p:nvCxnSpPr>
             <p:cNvPr id="124" name="Elbow Connector 122"/>
             <p:cNvCxnSpPr>
+              <a:cxnSpLocks/>
               <a:stCxn id="119" idx="1"/>
-              <a:endCxn id="122" idx="1"/>
             </p:cNvCxnSpPr>
             <p:nvPr/>
           </p:nvCxnSpPr>
           <p:spPr>
             <a:xfrm rot="16200000" flipH="1">
-              <a:off x="1364475" y="3719944"/>
-              <a:ext cx="831471" cy="554381"/>
-            </a:xfrm>
-            <a:prstGeom prst="bentConnector2">
-              <a:avLst/>
+              <a:off x="2663478" y="3944941"/>
+              <a:ext cx="753631" cy="26547"/>
+            </a:xfrm>
+            <a:prstGeom prst="bentConnector3">
+              <a:avLst>
+                <a:gd name="adj1" fmla="val -4180"/>
+              </a:avLst>
             </a:prstGeom>
             <a:ln w="19050">
               <a:solidFill>
@@ -5115,170 +4671,14 @@
         </p:cxnSp>
         <p:sp>
           <p:nvSpPr>
-            <p:cNvPr id="54" name="TextBox 53"/>
-            <p:cNvSpPr txBox="1"/>
-            <p:nvPr/>
-          </p:nvSpPr>
-          <p:spPr>
-            <a:xfrm>
-              <a:off x="4429979" y="3111479"/>
-              <a:ext cx="189257" cy="178683"/>
-            </a:xfrm>
-            <a:prstGeom prst="rect">
-              <a:avLst/>
-            </a:prstGeom>
-            <a:noFill/>
-          </p:spPr>
-          <p:txBody>
-            <a:bodyPr wrap="square" lIns="0" tIns="0" rIns="0" bIns="0" rtlCol="0">
-              <a:noAutofit/>
-            </a:bodyPr>
-            <a:lstStyle/>
-            <a:p>
-              <a:pPr algn="ctr"/>
-              <a:r>
-                <a:rPr lang="en-US" sz="1100" dirty="0">
-                  <a:solidFill>
-                    <a:srgbClr val="7030A0"/>
-                  </a:solidFill>
-                </a:rPr>
-                <a:t>1</a:t>
-              </a:r>
-              <a:endParaRPr lang="en-SG" sz="1100" dirty="0">
-                <a:solidFill>
-                  <a:srgbClr val="7030A0"/>
-                </a:solidFill>
-              </a:endParaRPr>
-            </a:p>
-          </p:txBody>
-        </p:sp>
-        <p:sp>
-          <p:nvSpPr>
-            <p:cNvPr id="61" name="TextBox 60"/>
-            <p:cNvSpPr txBox="1"/>
-            <p:nvPr/>
-          </p:nvSpPr>
-          <p:spPr>
-            <a:xfrm>
-              <a:off x="6135256" y="3097917"/>
-              <a:ext cx="189257" cy="178683"/>
-            </a:xfrm>
-            <a:prstGeom prst="rect">
-              <a:avLst/>
-            </a:prstGeom>
-            <a:noFill/>
-          </p:spPr>
-          <p:txBody>
-            <a:bodyPr wrap="square" lIns="0" tIns="0" rIns="0" bIns="0" rtlCol="0">
-              <a:noAutofit/>
-            </a:bodyPr>
-            <a:lstStyle/>
-            <a:p>
-              <a:pPr algn="ctr"/>
-              <a:r>
-                <a:rPr lang="en-US" sz="1100" dirty="0">
-                  <a:solidFill>
-                    <a:srgbClr val="7030A0"/>
-                  </a:solidFill>
-                </a:rPr>
-                <a:t>*</a:t>
-              </a:r>
-              <a:endParaRPr lang="en-SG" sz="1100" dirty="0">
-                <a:solidFill>
-                  <a:srgbClr val="7030A0"/>
-                </a:solidFill>
-              </a:endParaRPr>
-            </a:p>
-          </p:txBody>
-        </p:sp>
-        <p:sp>
-          <p:nvSpPr>
             <p:cNvPr id="65" name="TextBox 64"/>
             <p:cNvSpPr txBox="1"/>
             <p:nvPr/>
           </p:nvSpPr>
           <p:spPr>
             <a:xfrm>
-              <a:off x="2573394" y="2756715"/>
+              <a:off x="5879882" y="1962874"/>
               <a:ext cx="170110" cy="137542"/>
-            </a:xfrm>
-            <a:prstGeom prst="rect">
-              <a:avLst/>
-            </a:prstGeom>
-            <a:noFill/>
-          </p:spPr>
-          <p:txBody>
-            <a:bodyPr wrap="square" lIns="0" tIns="0" rIns="0" bIns="0" rtlCol="0">
-              <a:noAutofit/>
-            </a:bodyPr>
-            <a:lstStyle/>
-            <a:p>
-              <a:pPr algn="ctr"/>
-              <a:r>
-                <a:rPr lang="en-US" sz="1100" dirty="0">
-                  <a:solidFill>
-                    <a:srgbClr val="7030A0"/>
-                  </a:solidFill>
-                </a:rPr>
-                <a:t>1</a:t>
-              </a:r>
-              <a:endParaRPr lang="en-SG" sz="1100" dirty="0">
-                <a:solidFill>
-                  <a:srgbClr val="7030A0"/>
-                </a:solidFill>
-              </a:endParaRPr>
-            </a:p>
-          </p:txBody>
-        </p:sp>
-        <p:sp>
-          <p:nvSpPr>
-            <p:cNvPr id="66" name="TextBox 65"/>
-            <p:cNvSpPr txBox="1"/>
-            <p:nvPr/>
-          </p:nvSpPr>
-          <p:spPr>
-            <a:xfrm>
-              <a:off x="2630191" y="3667737"/>
-              <a:ext cx="189257" cy="178683"/>
-            </a:xfrm>
-            <a:prstGeom prst="rect">
-              <a:avLst/>
-            </a:prstGeom>
-            <a:noFill/>
-          </p:spPr>
-          <p:txBody>
-            <a:bodyPr wrap="square" lIns="0" tIns="0" rIns="0" bIns="0" rtlCol="0">
-              <a:noAutofit/>
-            </a:bodyPr>
-            <a:lstStyle/>
-            <a:p>
-              <a:pPr algn="ctr"/>
-              <a:r>
-                <a:rPr lang="en-US" sz="1100" dirty="0">
-                  <a:solidFill>
-                    <a:srgbClr val="7030A0"/>
-                  </a:solidFill>
-                </a:rPr>
-                <a:t>1</a:t>
-              </a:r>
-              <a:endParaRPr lang="en-SG" sz="1100" dirty="0">
-                <a:solidFill>
-                  <a:srgbClr val="7030A0"/>
-                </a:solidFill>
-              </a:endParaRPr>
-            </a:p>
-          </p:txBody>
-        </p:sp>
-        <p:sp>
-          <p:nvSpPr>
-            <p:cNvPr id="70" name="TextBox 69"/>
-            <p:cNvSpPr txBox="1"/>
-            <p:nvPr/>
-          </p:nvSpPr>
-          <p:spPr>
-            <a:xfrm>
-              <a:off x="6449896" y="3204826"/>
-              <a:ext cx="189257" cy="178683"/>
             </a:xfrm>
             <a:prstGeom prst="rect">
               <a:avLst/>
@@ -5322,7 +4722,7 @@
           </p:nvSpPr>
           <p:spPr>
             <a:xfrm>
-              <a:off x="7712397" y="2228817"/>
+              <a:off x="7496227" y="4804137"/>
               <a:ext cx="708186" cy="285783"/>
             </a:xfrm>
             <a:prstGeom prst="rect">
@@ -5381,20 +4781,17 @@
             </p:cNvPr>
             <p:cNvCxnSpPr>
               <a:cxnSpLocks/>
-              <a:stCxn id="78" idx="3"/>
-              <a:endCxn id="52" idx="1"/>
+              <a:stCxn id="223" idx="3"/>
             </p:cNvCxnSpPr>
             <p:nvPr/>
           </p:nvCxnSpPr>
           <p:spPr>
-            <a:xfrm flipV="1">
-              <a:off x="7277995" y="2371709"/>
-              <a:ext cx="434402" cy="663182"/>
-            </a:xfrm>
-            <a:prstGeom prst="bentConnector3">
-              <a:avLst>
-                <a:gd name="adj1" fmla="val 50000"/>
-              </a:avLst>
+            <a:xfrm>
+              <a:off x="8638991" y="2031195"/>
+              <a:ext cx="443923" cy="1580257"/>
+            </a:xfrm>
+            <a:prstGeom prst="bentConnector2">
+              <a:avLst/>
             </a:prstGeom>
             <a:ln w="19050">
               <a:solidFill>
@@ -5422,59 +4819,14 @@
         </p:cxnSp>
         <p:sp>
           <p:nvSpPr>
-            <p:cNvPr id="50" name="TextBox 49">
-              <a:extLst>
-                <a:ext uri="{FF2B5EF4-FFF2-40B4-BE49-F238E27FC236}">
-                  <a16:creationId xmlns:a16="http://schemas.microsoft.com/office/drawing/2014/main" id="{B3FA9D57-880F-49C4-AD0B-A64E30D6F403}"/>
-                </a:ext>
-              </a:extLst>
-            </p:cNvPr>
-            <p:cNvSpPr txBox="1"/>
-            <p:nvPr/>
-          </p:nvSpPr>
-          <p:spPr>
-            <a:xfrm>
-              <a:off x="7466243" y="2255711"/>
-              <a:ext cx="189257" cy="178683"/>
-            </a:xfrm>
-            <a:prstGeom prst="rect">
-              <a:avLst/>
-            </a:prstGeom>
-            <a:noFill/>
-          </p:spPr>
-          <p:txBody>
-            <a:bodyPr wrap="square" lIns="0" tIns="0" rIns="0" bIns="0" rtlCol="0">
-              <a:noAutofit/>
-            </a:bodyPr>
-            <a:lstStyle/>
-            <a:p>
-              <a:pPr algn="ctr"/>
-              <a:r>
-                <a:rPr lang="en-US" sz="1100" dirty="0">
-                  <a:solidFill>
-                    <a:srgbClr val="7030A0"/>
-                  </a:solidFill>
-                </a:rPr>
-                <a:t>*</a:t>
-              </a:r>
-              <a:endParaRPr lang="en-SG" sz="1100" dirty="0">
-                <a:solidFill>
-                  <a:srgbClr val="7030A0"/>
-                </a:solidFill>
-              </a:endParaRPr>
-            </a:p>
-          </p:txBody>
-        </p:sp>
-        <p:sp>
-          <p:nvSpPr>
             <p:cNvPr id="55" name="Rectangle 8"/>
             <p:cNvSpPr/>
             <p:nvPr/>
           </p:nvSpPr>
           <p:spPr>
             <a:xfrm>
-              <a:off x="3170181" y="1998350"/>
-              <a:ext cx="1060683" cy="364396"/>
+              <a:off x="4694181" y="1998350"/>
+              <a:ext cx="895607" cy="364396"/>
             </a:xfrm>
             <a:prstGeom prst="rect">
               <a:avLst/>
@@ -5526,15 +4878,13 @@
             <p:cNvPr id="60" name="Straight Arrow Connector 59"/>
             <p:cNvCxnSpPr>
               <a:cxnSpLocks/>
-              <a:stCxn id="51" idx="1"/>
-              <a:endCxn id="49" idx="1"/>
             </p:cNvCxnSpPr>
             <p:nvPr/>
           </p:nvCxnSpPr>
           <p:spPr>
             <a:xfrm>
-              <a:off x="4324972" y="3007222"/>
-              <a:ext cx="367678" cy="12320"/>
+              <a:off x="6714341" y="1982933"/>
+              <a:ext cx="362288" cy="0"/>
             </a:xfrm>
             <a:prstGeom prst="straightConnector1">
               <a:avLst/>
@@ -5571,7 +4921,7 @@
           </p:nvSpPr>
           <p:spPr>
             <a:xfrm rot="16200000">
-              <a:off x="2669073" y="2069158"/>
+              <a:off x="4193073" y="2069158"/>
               <a:ext cx="271014" cy="187417"/>
             </a:xfrm>
             <a:prstGeom prst="triangle">
@@ -5619,6 +4969,7 @@
           <p:nvCxnSpPr>
             <p:cNvPr id="69" name="Elbow Connector 63"/>
             <p:cNvCxnSpPr>
+              <a:cxnSpLocks/>
               <a:stCxn id="68" idx="3"/>
               <a:endCxn id="55" idx="1"/>
             </p:cNvCxnSpPr>
@@ -5626,7 +4977,7 @@
           </p:nvCxnSpPr>
           <p:spPr>
             <a:xfrm>
-              <a:off x="2898289" y="2177727"/>
+              <a:off x="4422289" y="2177727"/>
               <a:ext cx="271892" cy="2821"/>
             </a:xfrm>
             <a:prstGeom prst="bentConnector3">
@@ -5673,7 +5024,7 @@
           </p:nvSpPr>
           <p:spPr>
             <a:xfrm>
-              <a:off x="4238892" y="3460864"/>
+              <a:off x="4570013" y="5105399"/>
               <a:ext cx="1293486" cy="346760"/>
             </a:xfrm>
             <a:prstGeom prst="rect">
@@ -5746,7 +5097,7 @@
           </p:nvSpPr>
           <p:spPr>
             <a:xfrm rot="5400000" flipH="1">
-              <a:off x="3992636" y="3514414"/>
+              <a:off x="4311979" y="5130158"/>
               <a:ext cx="271014" cy="221497"/>
             </a:xfrm>
             <a:prstGeom prst="triangle">
@@ -5807,9 +5158,9 @@
             <p:nvPr/>
           </p:nvCxnSpPr>
           <p:spPr>
-            <a:xfrm rot="10800000">
-              <a:off x="3703491" y="3636621"/>
-              <a:ext cx="313904" cy="3403"/>
+            <a:xfrm rot="10800000" flipV="1">
+              <a:off x="4164374" y="5255766"/>
+              <a:ext cx="172365" cy="2033"/>
             </a:xfrm>
             <a:prstGeom prst="bentConnector3">
               <a:avLst>
@@ -5841,6 +5192,2796 @@
             </a:fontRef>
           </p:style>
         </p:cxnSp>
+        <p:cxnSp>
+          <p:nvCxnSpPr>
+            <p:cNvPr id="34" name="Connector: Elbow 33">
+              <a:extLst>
+                <a:ext uri="{FF2B5EF4-FFF2-40B4-BE49-F238E27FC236}">
+                  <a16:creationId xmlns:a16="http://schemas.microsoft.com/office/drawing/2014/main" id="{97716F49-BA1A-477E-A140-729EBE8F9E14}"/>
+                </a:ext>
+              </a:extLst>
+            </p:cNvPr>
+            <p:cNvCxnSpPr>
+              <a:cxnSpLocks/>
+              <a:stCxn id="42" idx="3"/>
+              <a:endCxn id="2" idx="0"/>
+            </p:cNvCxnSpPr>
+            <p:nvPr/>
+          </p:nvCxnSpPr>
+          <p:spPr>
+            <a:xfrm rot="16200000" flipH="1">
+              <a:off x="3095499" y="4454650"/>
+              <a:ext cx="1250653" cy="8886"/>
+            </a:xfrm>
+            <a:prstGeom prst="bentConnector3">
+              <a:avLst>
+                <a:gd name="adj1" fmla="val -1502"/>
+              </a:avLst>
+            </a:prstGeom>
+            <a:ln w="19050">
+              <a:solidFill>
+                <a:srgbClr val="7030A0"/>
+              </a:solidFill>
+              <a:headEnd type="none" w="med" len="med"/>
+              <a:tailEnd type="arrow" w="med" len="med"/>
+            </a:ln>
+          </p:spPr>
+          <p:style>
+            <a:lnRef idx="1">
+              <a:schemeClr val="accent1"/>
+            </a:lnRef>
+            <a:fillRef idx="0">
+              <a:schemeClr val="accent1"/>
+            </a:fillRef>
+            <a:effectRef idx="0">
+              <a:schemeClr val="accent1"/>
+            </a:effectRef>
+            <a:fontRef idx="minor">
+              <a:schemeClr val="tx1"/>
+            </a:fontRef>
+          </p:style>
+        </p:cxnSp>
+        <p:cxnSp>
+          <p:nvCxnSpPr>
+            <p:cNvPr id="96" name="Elbow Connector 63">
+              <a:extLst>
+                <a:ext uri="{FF2B5EF4-FFF2-40B4-BE49-F238E27FC236}">
+                  <a16:creationId xmlns:a16="http://schemas.microsoft.com/office/drawing/2014/main" id="{3500625C-8169-4F3C-87F3-FACAC6D08F03}"/>
+                </a:ext>
+              </a:extLst>
+            </p:cNvPr>
+            <p:cNvCxnSpPr>
+              <a:cxnSpLocks/>
+              <a:endCxn id="99" idx="3"/>
+            </p:cNvCxnSpPr>
+            <p:nvPr/>
+          </p:nvCxnSpPr>
+          <p:spPr>
+            <a:xfrm>
+              <a:off x="3504966" y="2824858"/>
+              <a:ext cx="2368984" cy="5735"/>
+            </a:xfrm>
+            <a:prstGeom prst="bentConnector3">
+              <a:avLst>
+                <a:gd name="adj1" fmla="val 12949"/>
+              </a:avLst>
+            </a:prstGeom>
+            <a:ln w="19050">
+              <a:solidFill>
+                <a:srgbClr val="7030A0"/>
+              </a:solidFill>
+              <a:prstDash val="sysDot"/>
+              <a:headEnd type="none" w="med" len="med"/>
+              <a:tailEnd type="none" w="med" len="med"/>
+            </a:ln>
+            <a:effectLst/>
+          </p:spPr>
+          <p:style>
+            <a:lnRef idx="1">
+              <a:schemeClr val="accent2"/>
+            </a:lnRef>
+            <a:fillRef idx="2">
+              <a:schemeClr val="accent2"/>
+            </a:fillRef>
+            <a:effectRef idx="1">
+              <a:schemeClr val="accent2"/>
+            </a:effectRef>
+            <a:fontRef idx="minor">
+              <a:schemeClr val="dk1"/>
+            </a:fontRef>
+          </p:style>
+        </p:cxnSp>
+        <p:sp>
+          <p:nvSpPr>
+            <p:cNvPr id="139" name="Rectangle 8">
+              <a:extLst>
+                <a:ext uri="{FF2B5EF4-FFF2-40B4-BE49-F238E27FC236}">
+                  <a16:creationId xmlns:a16="http://schemas.microsoft.com/office/drawing/2014/main" id="{E7C699E7-FBEB-445F-BADA-810711ADEFAE}"/>
+                </a:ext>
+              </a:extLst>
+            </p:cNvPr>
+            <p:cNvSpPr/>
+            <p:nvPr/>
+          </p:nvSpPr>
+          <p:spPr>
+            <a:xfrm>
+              <a:off x="7071650" y="2252036"/>
+              <a:ext cx="1310350" cy="346760"/>
+            </a:xfrm>
+            <a:prstGeom prst="rect">
+              <a:avLst/>
+            </a:prstGeom>
+            <a:ln w="19050">
+              <a:solidFill>
+                <a:srgbClr val="7030A0"/>
+              </a:solidFill>
+            </a:ln>
+            <a:effectLst/>
+          </p:spPr>
+          <p:style>
+            <a:lnRef idx="1">
+              <a:schemeClr val="accent4"/>
+            </a:lnRef>
+            <a:fillRef idx="2">
+              <a:schemeClr val="accent4"/>
+            </a:fillRef>
+            <a:effectRef idx="1">
+              <a:schemeClr val="accent4"/>
+            </a:effectRef>
+            <a:fontRef idx="minor">
+              <a:schemeClr val="dk1"/>
+            </a:fontRef>
+          </p:style>
+          <p:txBody>
+            <a:bodyPr rtlCol="0" anchor="ctr"/>
+            <a:lstStyle/>
+            <a:p>
+              <a:pPr algn="ctr"/>
+              <a:r>
+                <a:rPr lang="en-US" sz="1050" dirty="0" err="1">
+                  <a:solidFill>
+                    <a:srgbClr val="7030A0"/>
+                  </a:solidFill>
+                </a:rPr>
+                <a:t>UniqueRequirementCategoryList</a:t>
+              </a:r>
+              <a:endParaRPr lang="en-SG" sz="1050" dirty="0">
+                <a:solidFill>
+                  <a:srgbClr val="7030A0"/>
+                </a:solidFill>
+              </a:endParaRPr>
+            </a:p>
+          </p:txBody>
+        </p:sp>
+        <p:sp>
+          <p:nvSpPr>
+            <p:cNvPr id="140" name="Flowchart: Decision 96">
+              <a:extLst>
+                <a:ext uri="{FF2B5EF4-FFF2-40B4-BE49-F238E27FC236}">
+                  <a16:creationId xmlns:a16="http://schemas.microsoft.com/office/drawing/2014/main" id="{B601E566-A789-4FFA-ADE1-3A6D9CDBD5AC}"/>
+                </a:ext>
+              </a:extLst>
+            </p:cNvPr>
+            <p:cNvSpPr/>
+            <p:nvPr/>
+          </p:nvSpPr>
+          <p:spPr>
+            <a:xfrm>
+              <a:off x="6468657" y="2312335"/>
+              <a:ext cx="236048" cy="173380"/>
+            </a:xfrm>
+            <a:prstGeom prst="flowChartDecision">
+              <a:avLst/>
+            </a:prstGeom>
+            <a:solidFill>
+              <a:srgbClr val="7030A0"/>
+            </a:solidFill>
+            <a:ln w="19050">
+              <a:solidFill>
+                <a:srgbClr val="7030A0"/>
+              </a:solidFill>
+            </a:ln>
+            <a:effectLst/>
+          </p:spPr>
+          <p:style>
+            <a:lnRef idx="1">
+              <a:schemeClr val="accent6"/>
+            </a:lnRef>
+            <a:fillRef idx="2">
+              <a:schemeClr val="accent6"/>
+            </a:fillRef>
+            <a:effectRef idx="1">
+              <a:schemeClr val="accent6"/>
+            </a:effectRef>
+            <a:fontRef idx="minor">
+              <a:schemeClr val="dk1"/>
+            </a:fontRef>
+          </p:style>
+          <p:txBody>
+            <a:bodyPr rtlCol="0" anchor="ctr"/>
+            <a:lstStyle/>
+            <a:p>
+              <a:pPr algn="ctr"/>
+              <a:endParaRPr lang="en-US" sz="1050"/>
+            </a:p>
+          </p:txBody>
+        </p:sp>
+        <p:cxnSp>
+          <p:nvCxnSpPr>
+            <p:cNvPr id="141" name="Straight Arrow Connector 140">
+              <a:extLst>
+                <a:ext uri="{FF2B5EF4-FFF2-40B4-BE49-F238E27FC236}">
+                  <a16:creationId xmlns:a16="http://schemas.microsoft.com/office/drawing/2014/main" id="{D0B939E4-01E9-47A7-BC04-7FC459EE3C6E}"/>
+                </a:ext>
+              </a:extLst>
+            </p:cNvPr>
+            <p:cNvCxnSpPr>
+              <a:cxnSpLocks/>
+              <a:stCxn id="140" idx="3"/>
+            </p:cNvCxnSpPr>
+            <p:nvPr/>
+          </p:nvCxnSpPr>
+          <p:spPr>
+            <a:xfrm flipV="1">
+              <a:off x="6704705" y="2395541"/>
+              <a:ext cx="366945" cy="3484"/>
+            </a:xfrm>
+            <a:prstGeom prst="straightConnector1">
+              <a:avLst/>
+            </a:prstGeom>
+            <a:ln w="19050">
+              <a:solidFill>
+                <a:srgbClr val="7030A0"/>
+              </a:solidFill>
+              <a:headEnd type="none" w="med" len="med"/>
+              <a:tailEnd type="arrow" w="med" len="med"/>
+            </a:ln>
+            <a:effectLst/>
+          </p:spPr>
+          <p:style>
+            <a:lnRef idx="1">
+              <a:schemeClr val="accent2"/>
+            </a:lnRef>
+            <a:fillRef idx="2">
+              <a:schemeClr val="accent2"/>
+            </a:fillRef>
+            <a:effectRef idx="1">
+              <a:schemeClr val="accent2"/>
+            </a:effectRef>
+            <a:fontRef idx="minor">
+              <a:schemeClr val="dk1"/>
+            </a:fontRef>
+          </p:style>
+        </p:cxnSp>
+        <p:sp>
+          <p:nvSpPr>
+            <p:cNvPr id="142" name="Rectangle 8">
+              <a:extLst>
+                <a:ext uri="{FF2B5EF4-FFF2-40B4-BE49-F238E27FC236}">
+                  <a16:creationId xmlns:a16="http://schemas.microsoft.com/office/drawing/2014/main" id="{B9551A82-520D-4205-BEA9-2165B9C90323}"/>
+                </a:ext>
+              </a:extLst>
+            </p:cNvPr>
+            <p:cNvSpPr/>
+            <p:nvPr/>
+          </p:nvSpPr>
+          <p:spPr>
+            <a:xfrm>
+              <a:off x="7071650" y="2673984"/>
+              <a:ext cx="1310350" cy="346760"/>
+            </a:xfrm>
+            <a:prstGeom prst="rect">
+              <a:avLst/>
+            </a:prstGeom>
+            <a:ln w="19050">
+              <a:solidFill>
+                <a:srgbClr val="7030A0"/>
+              </a:solidFill>
+            </a:ln>
+            <a:effectLst/>
+          </p:spPr>
+          <p:style>
+            <a:lnRef idx="1">
+              <a:schemeClr val="accent4"/>
+            </a:lnRef>
+            <a:fillRef idx="2">
+              <a:schemeClr val="accent4"/>
+            </a:fillRef>
+            <a:effectRef idx="1">
+              <a:schemeClr val="accent4"/>
+            </a:effectRef>
+            <a:fontRef idx="minor">
+              <a:schemeClr val="dk1"/>
+            </a:fontRef>
+          </p:style>
+          <p:txBody>
+            <a:bodyPr rtlCol="0" anchor="ctr"/>
+            <a:lstStyle/>
+            <a:p>
+              <a:pPr algn="ctr"/>
+              <a:r>
+                <a:rPr lang="en-US" sz="1050" dirty="0" err="1">
+                  <a:solidFill>
+                    <a:srgbClr val="7030A0"/>
+                  </a:solidFill>
+                </a:rPr>
+                <a:t>UniqueDegree</a:t>
+              </a:r>
+              <a:br>
+                <a:rPr lang="en-US" sz="1050" dirty="0">
+                  <a:solidFill>
+                    <a:srgbClr val="7030A0"/>
+                  </a:solidFill>
+                </a:rPr>
+              </a:br>
+              <a:r>
+                <a:rPr lang="en-US" sz="1050" dirty="0" err="1">
+                  <a:solidFill>
+                    <a:srgbClr val="7030A0"/>
+                  </a:solidFill>
+                </a:rPr>
+                <a:t>PlannerList</a:t>
+              </a:r>
+              <a:endParaRPr lang="en-SG" sz="1050" dirty="0">
+                <a:solidFill>
+                  <a:srgbClr val="7030A0"/>
+                </a:solidFill>
+              </a:endParaRPr>
+            </a:p>
+          </p:txBody>
+        </p:sp>
+        <p:sp>
+          <p:nvSpPr>
+            <p:cNvPr id="143" name="Flowchart: Decision 96">
+              <a:extLst>
+                <a:ext uri="{FF2B5EF4-FFF2-40B4-BE49-F238E27FC236}">
+                  <a16:creationId xmlns:a16="http://schemas.microsoft.com/office/drawing/2014/main" id="{8DEE4931-AED3-48F0-A1E4-4450EB03E65C}"/>
+                </a:ext>
+              </a:extLst>
+            </p:cNvPr>
+            <p:cNvSpPr/>
+            <p:nvPr/>
+          </p:nvSpPr>
+          <p:spPr>
+            <a:xfrm>
+              <a:off x="6468657" y="2734283"/>
+              <a:ext cx="236048" cy="173380"/>
+            </a:xfrm>
+            <a:prstGeom prst="flowChartDecision">
+              <a:avLst/>
+            </a:prstGeom>
+            <a:solidFill>
+              <a:srgbClr val="7030A0"/>
+            </a:solidFill>
+            <a:ln w="19050">
+              <a:solidFill>
+                <a:srgbClr val="7030A0"/>
+              </a:solidFill>
+            </a:ln>
+            <a:effectLst/>
+          </p:spPr>
+          <p:style>
+            <a:lnRef idx="1">
+              <a:schemeClr val="accent6"/>
+            </a:lnRef>
+            <a:fillRef idx="2">
+              <a:schemeClr val="accent6"/>
+            </a:fillRef>
+            <a:effectRef idx="1">
+              <a:schemeClr val="accent6"/>
+            </a:effectRef>
+            <a:fontRef idx="minor">
+              <a:schemeClr val="dk1"/>
+            </a:fontRef>
+          </p:style>
+          <p:txBody>
+            <a:bodyPr rtlCol="0" anchor="ctr"/>
+            <a:lstStyle/>
+            <a:p>
+              <a:pPr algn="ctr"/>
+              <a:endParaRPr lang="en-US" sz="1050"/>
+            </a:p>
+          </p:txBody>
+        </p:sp>
+        <p:cxnSp>
+          <p:nvCxnSpPr>
+            <p:cNvPr id="144" name="Straight Arrow Connector 143">
+              <a:extLst>
+                <a:ext uri="{FF2B5EF4-FFF2-40B4-BE49-F238E27FC236}">
+                  <a16:creationId xmlns:a16="http://schemas.microsoft.com/office/drawing/2014/main" id="{E29033A4-1425-4E2C-950E-91FE6CE05E97}"/>
+                </a:ext>
+              </a:extLst>
+            </p:cNvPr>
+            <p:cNvCxnSpPr>
+              <a:cxnSpLocks/>
+              <a:stCxn id="143" idx="3"/>
+            </p:cNvCxnSpPr>
+            <p:nvPr/>
+          </p:nvCxnSpPr>
+          <p:spPr>
+            <a:xfrm flipV="1">
+              <a:off x="6704705" y="2817489"/>
+              <a:ext cx="366945" cy="3484"/>
+            </a:xfrm>
+            <a:prstGeom prst="straightConnector1">
+              <a:avLst/>
+            </a:prstGeom>
+            <a:ln w="19050">
+              <a:solidFill>
+                <a:srgbClr val="7030A0"/>
+              </a:solidFill>
+              <a:headEnd type="none" w="med" len="med"/>
+              <a:tailEnd type="arrow" w="med" len="med"/>
+            </a:ln>
+            <a:effectLst/>
+          </p:spPr>
+          <p:style>
+            <a:lnRef idx="1">
+              <a:schemeClr val="accent2"/>
+            </a:lnRef>
+            <a:fillRef idx="2">
+              <a:schemeClr val="accent2"/>
+            </a:fillRef>
+            <a:effectRef idx="1">
+              <a:schemeClr val="accent2"/>
+            </a:effectRef>
+            <a:fontRef idx="minor">
+              <a:schemeClr val="dk1"/>
+            </a:fontRef>
+          </p:style>
+        </p:cxnSp>
+        <p:sp>
+          <p:nvSpPr>
+            <p:cNvPr id="147" name="TextBox 146">
+              <a:extLst>
+                <a:ext uri="{FF2B5EF4-FFF2-40B4-BE49-F238E27FC236}">
+                  <a16:creationId xmlns:a16="http://schemas.microsoft.com/office/drawing/2014/main" id="{D9AD6346-0F6F-4721-BAA9-CF79C380097A}"/>
+                </a:ext>
+              </a:extLst>
+            </p:cNvPr>
+            <p:cNvSpPr txBox="1"/>
+            <p:nvPr/>
+          </p:nvSpPr>
+          <p:spPr>
+            <a:xfrm>
+              <a:off x="6892582" y="2039093"/>
+              <a:ext cx="189257" cy="178683"/>
+            </a:xfrm>
+            <a:prstGeom prst="rect">
+              <a:avLst/>
+            </a:prstGeom>
+            <a:noFill/>
+          </p:spPr>
+          <p:txBody>
+            <a:bodyPr wrap="square" lIns="0" tIns="0" rIns="0" bIns="0" rtlCol="0">
+              <a:noAutofit/>
+            </a:bodyPr>
+            <a:lstStyle/>
+            <a:p>
+              <a:pPr algn="ctr"/>
+              <a:r>
+                <a:rPr lang="en-US" sz="1100" dirty="0">
+                  <a:solidFill>
+                    <a:srgbClr val="7030A0"/>
+                  </a:solidFill>
+                </a:rPr>
+                <a:t>1</a:t>
+              </a:r>
+              <a:endParaRPr lang="en-SG" sz="1100" dirty="0">
+                <a:solidFill>
+                  <a:srgbClr val="7030A0"/>
+                </a:solidFill>
+              </a:endParaRPr>
+            </a:p>
+          </p:txBody>
+        </p:sp>
+        <p:sp>
+          <p:nvSpPr>
+            <p:cNvPr id="148" name="TextBox 147">
+              <a:extLst>
+                <a:ext uri="{FF2B5EF4-FFF2-40B4-BE49-F238E27FC236}">
+                  <a16:creationId xmlns:a16="http://schemas.microsoft.com/office/drawing/2014/main" id="{EE3FE9BA-69AD-4152-8ABF-241F60AD9284}"/>
+                </a:ext>
+              </a:extLst>
+            </p:cNvPr>
+            <p:cNvSpPr txBox="1"/>
+            <p:nvPr/>
+          </p:nvSpPr>
+          <p:spPr>
+            <a:xfrm>
+              <a:off x="6907854" y="2446440"/>
+              <a:ext cx="189257" cy="178683"/>
+            </a:xfrm>
+            <a:prstGeom prst="rect">
+              <a:avLst/>
+            </a:prstGeom>
+            <a:noFill/>
+          </p:spPr>
+          <p:txBody>
+            <a:bodyPr wrap="square" lIns="0" tIns="0" rIns="0" bIns="0" rtlCol="0">
+              <a:noAutofit/>
+            </a:bodyPr>
+            <a:lstStyle/>
+            <a:p>
+              <a:pPr algn="ctr"/>
+              <a:r>
+                <a:rPr lang="en-US" sz="1100" dirty="0">
+                  <a:solidFill>
+                    <a:srgbClr val="7030A0"/>
+                  </a:solidFill>
+                </a:rPr>
+                <a:t>1</a:t>
+              </a:r>
+              <a:endParaRPr lang="en-SG" sz="1100" dirty="0">
+                <a:solidFill>
+                  <a:srgbClr val="7030A0"/>
+                </a:solidFill>
+              </a:endParaRPr>
+            </a:p>
+          </p:txBody>
+        </p:sp>
+        <p:sp>
+          <p:nvSpPr>
+            <p:cNvPr id="149" name="TextBox 148">
+              <a:extLst>
+                <a:ext uri="{FF2B5EF4-FFF2-40B4-BE49-F238E27FC236}">
+                  <a16:creationId xmlns:a16="http://schemas.microsoft.com/office/drawing/2014/main" id="{F24CFC76-24D3-46FA-8FEC-DBA81A30EC5B}"/>
+                </a:ext>
+              </a:extLst>
+            </p:cNvPr>
+            <p:cNvSpPr txBox="1"/>
+            <p:nvPr/>
+          </p:nvSpPr>
+          <p:spPr>
+            <a:xfrm>
+              <a:off x="6907747" y="2862800"/>
+              <a:ext cx="189257" cy="178683"/>
+            </a:xfrm>
+            <a:prstGeom prst="rect">
+              <a:avLst/>
+            </a:prstGeom>
+            <a:noFill/>
+          </p:spPr>
+          <p:txBody>
+            <a:bodyPr wrap="square" lIns="0" tIns="0" rIns="0" bIns="0" rtlCol="0">
+              <a:noAutofit/>
+            </a:bodyPr>
+            <a:lstStyle/>
+            <a:p>
+              <a:pPr algn="ctr"/>
+              <a:r>
+                <a:rPr lang="en-US" sz="1100" dirty="0">
+                  <a:solidFill>
+                    <a:srgbClr val="7030A0"/>
+                  </a:solidFill>
+                </a:rPr>
+                <a:t>1</a:t>
+              </a:r>
+              <a:endParaRPr lang="en-SG" sz="1100" dirty="0">
+                <a:solidFill>
+                  <a:srgbClr val="7030A0"/>
+                </a:solidFill>
+              </a:endParaRPr>
+            </a:p>
+          </p:txBody>
+        </p:sp>
+        <p:sp>
+          <p:nvSpPr>
+            <p:cNvPr id="150" name="Rectangle 8">
+              <a:extLst>
+                <a:ext uri="{FF2B5EF4-FFF2-40B4-BE49-F238E27FC236}">
+                  <a16:creationId xmlns:a16="http://schemas.microsoft.com/office/drawing/2014/main" id="{6E2E9A09-8AD6-4E85-B36C-87E0739A6B8B}"/>
+                </a:ext>
+              </a:extLst>
+            </p:cNvPr>
+            <p:cNvSpPr/>
+            <p:nvPr/>
+          </p:nvSpPr>
+          <p:spPr>
+            <a:xfrm>
+              <a:off x="6352379" y="3616097"/>
+              <a:ext cx="953099" cy="366868"/>
+            </a:xfrm>
+            <a:prstGeom prst="rect">
+              <a:avLst/>
+            </a:prstGeom>
+            <a:ln w="19050">
+              <a:solidFill>
+                <a:srgbClr val="7030A0"/>
+              </a:solidFill>
+            </a:ln>
+            <a:effectLst/>
+          </p:spPr>
+          <p:style>
+            <a:lnRef idx="1">
+              <a:schemeClr val="accent4"/>
+            </a:lnRef>
+            <a:fillRef idx="2">
+              <a:schemeClr val="accent4"/>
+            </a:fillRef>
+            <a:effectRef idx="1">
+              <a:schemeClr val="accent4"/>
+            </a:effectRef>
+            <a:fontRef idx="minor">
+              <a:schemeClr val="dk1"/>
+            </a:fontRef>
+          </p:style>
+          <p:txBody>
+            <a:bodyPr rtlCol="0" anchor="ctr"/>
+            <a:lstStyle/>
+            <a:p>
+              <a:pPr algn="ctr"/>
+              <a:r>
+                <a:rPr lang="en-US" sz="1050" dirty="0">
+                  <a:solidFill>
+                    <a:srgbClr val="7030A0"/>
+                  </a:solidFill>
+                </a:rPr>
+                <a:t>Requirement</a:t>
+              </a:r>
+              <a:br>
+                <a:rPr lang="en-US" sz="1050" dirty="0">
+                  <a:solidFill>
+                    <a:srgbClr val="7030A0"/>
+                  </a:solidFill>
+                </a:rPr>
+              </a:br>
+              <a:r>
+                <a:rPr lang="en-US" sz="1050" dirty="0">
+                  <a:solidFill>
+                    <a:srgbClr val="7030A0"/>
+                  </a:solidFill>
+                </a:rPr>
+                <a:t>Category</a:t>
+              </a:r>
+              <a:endParaRPr lang="en-SG" sz="1050" dirty="0">
+                <a:solidFill>
+                  <a:srgbClr val="7030A0"/>
+                </a:solidFill>
+              </a:endParaRPr>
+            </a:p>
+          </p:txBody>
+        </p:sp>
+        <p:sp>
+          <p:nvSpPr>
+            <p:cNvPr id="151" name="Rectangle 8">
+              <a:extLst>
+                <a:ext uri="{FF2B5EF4-FFF2-40B4-BE49-F238E27FC236}">
+                  <a16:creationId xmlns:a16="http://schemas.microsoft.com/office/drawing/2014/main" id="{EA842062-B5AB-4ACC-A926-6524FA5BDE17}"/>
+                </a:ext>
+              </a:extLst>
+            </p:cNvPr>
+            <p:cNvSpPr/>
+            <p:nvPr/>
+          </p:nvSpPr>
+          <p:spPr>
+            <a:xfrm>
+              <a:off x="4485303" y="3623260"/>
+              <a:ext cx="953099" cy="366868"/>
+            </a:xfrm>
+            <a:prstGeom prst="rect">
+              <a:avLst/>
+            </a:prstGeom>
+            <a:ln w="19050">
+              <a:solidFill>
+                <a:srgbClr val="7030A0"/>
+              </a:solidFill>
+            </a:ln>
+            <a:effectLst/>
+          </p:spPr>
+          <p:style>
+            <a:lnRef idx="1">
+              <a:schemeClr val="accent4"/>
+            </a:lnRef>
+            <a:fillRef idx="2">
+              <a:schemeClr val="accent4"/>
+            </a:fillRef>
+            <a:effectRef idx="1">
+              <a:schemeClr val="accent4"/>
+            </a:effectRef>
+            <a:fontRef idx="minor">
+              <a:schemeClr val="dk1"/>
+            </a:fontRef>
+          </p:style>
+          <p:txBody>
+            <a:bodyPr rtlCol="0" anchor="ctr"/>
+            <a:lstStyle/>
+            <a:p>
+              <a:pPr algn="ctr"/>
+              <a:r>
+                <a:rPr lang="en-US" sz="1050" dirty="0">
+                  <a:solidFill>
+                    <a:srgbClr val="7030A0"/>
+                  </a:solidFill>
+                </a:rPr>
+                <a:t>Degree</a:t>
+              </a:r>
+              <a:br>
+                <a:rPr lang="en-US" sz="1050" dirty="0">
+                  <a:solidFill>
+                    <a:srgbClr val="7030A0"/>
+                  </a:solidFill>
+                </a:rPr>
+              </a:br>
+              <a:r>
+                <a:rPr lang="en-US" sz="1050" dirty="0">
+                  <a:solidFill>
+                    <a:srgbClr val="7030A0"/>
+                  </a:solidFill>
+                </a:rPr>
+                <a:t>Planner</a:t>
+              </a:r>
+              <a:endParaRPr lang="en-SG" sz="1050" dirty="0">
+                <a:solidFill>
+                  <a:srgbClr val="7030A0"/>
+                </a:solidFill>
+              </a:endParaRPr>
+            </a:p>
+          </p:txBody>
+        </p:sp>
+        <p:sp>
+          <p:nvSpPr>
+            <p:cNvPr id="152" name="Rectangle 8">
+              <a:extLst>
+                <a:ext uri="{FF2B5EF4-FFF2-40B4-BE49-F238E27FC236}">
+                  <a16:creationId xmlns:a16="http://schemas.microsoft.com/office/drawing/2014/main" id="{38A847EB-8036-4215-817F-070902EE4EE4}"/>
+                </a:ext>
+              </a:extLst>
+            </p:cNvPr>
+            <p:cNvSpPr/>
+            <p:nvPr/>
+          </p:nvSpPr>
+          <p:spPr>
+            <a:xfrm>
+              <a:off x="8363907" y="3616097"/>
+              <a:ext cx="953099" cy="366868"/>
+            </a:xfrm>
+            <a:prstGeom prst="rect">
+              <a:avLst/>
+            </a:prstGeom>
+            <a:ln w="19050">
+              <a:solidFill>
+                <a:srgbClr val="7030A0"/>
+              </a:solidFill>
+            </a:ln>
+            <a:effectLst/>
+          </p:spPr>
+          <p:style>
+            <a:lnRef idx="1">
+              <a:schemeClr val="accent4"/>
+            </a:lnRef>
+            <a:fillRef idx="2">
+              <a:schemeClr val="accent4"/>
+            </a:fillRef>
+            <a:effectRef idx="1">
+              <a:schemeClr val="accent4"/>
+            </a:effectRef>
+            <a:fontRef idx="minor">
+              <a:schemeClr val="dk1"/>
+            </a:fontRef>
+          </p:style>
+          <p:txBody>
+            <a:bodyPr rtlCol="0" anchor="ctr"/>
+            <a:lstStyle/>
+            <a:p>
+              <a:pPr algn="ctr"/>
+              <a:r>
+                <a:rPr lang="en-US" sz="1050" dirty="0">
+                  <a:solidFill>
+                    <a:srgbClr val="7030A0"/>
+                  </a:solidFill>
+                </a:rPr>
+                <a:t>Module</a:t>
+              </a:r>
+              <a:endParaRPr lang="en-SG" sz="1050" dirty="0">
+                <a:solidFill>
+                  <a:srgbClr val="7030A0"/>
+                </a:solidFill>
+              </a:endParaRPr>
+            </a:p>
+          </p:txBody>
+        </p:sp>
+        <p:sp>
+          <p:nvSpPr>
+            <p:cNvPr id="153" name="Rectangle 8">
+              <a:extLst>
+                <a:ext uri="{FF2B5EF4-FFF2-40B4-BE49-F238E27FC236}">
+                  <a16:creationId xmlns:a16="http://schemas.microsoft.com/office/drawing/2014/main" id="{2CF6CB96-A7AB-4411-8FF2-9CA29BA6B850}"/>
+                </a:ext>
+              </a:extLst>
+            </p:cNvPr>
+            <p:cNvSpPr/>
+            <p:nvPr/>
+          </p:nvSpPr>
+          <p:spPr>
+            <a:xfrm>
+              <a:off x="3925857" y="4261955"/>
+              <a:ext cx="708186" cy="285783"/>
+            </a:xfrm>
+            <a:prstGeom prst="rect">
+              <a:avLst/>
+            </a:prstGeom>
+            <a:ln w="19050">
+              <a:solidFill>
+                <a:srgbClr val="7030A0"/>
+              </a:solidFill>
+            </a:ln>
+            <a:effectLst/>
+          </p:spPr>
+          <p:style>
+            <a:lnRef idx="1">
+              <a:schemeClr val="accent4"/>
+            </a:lnRef>
+            <a:fillRef idx="2">
+              <a:schemeClr val="accent4"/>
+            </a:fillRef>
+            <a:effectRef idx="1">
+              <a:schemeClr val="accent4"/>
+            </a:effectRef>
+            <a:fontRef idx="minor">
+              <a:schemeClr val="dk1"/>
+            </a:fontRef>
+          </p:style>
+          <p:txBody>
+            <a:bodyPr rtlCol="0" anchor="ctr"/>
+            <a:lstStyle/>
+            <a:p>
+              <a:pPr algn="ctr"/>
+              <a:r>
+                <a:rPr lang="en-US" sz="1050" dirty="0">
+                  <a:solidFill>
+                    <a:srgbClr val="7030A0"/>
+                  </a:solidFill>
+                </a:rPr>
+                <a:t>Year</a:t>
+              </a:r>
+              <a:endParaRPr lang="en-SG" sz="1050" dirty="0">
+                <a:solidFill>
+                  <a:srgbClr val="7030A0"/>
+                </a:solidFill>
+              </a:endParaRPr>
+            </a:p>
+          </p:txBody>
+        </p:sp>
+        <p:sp>
+          <p:nvSpPr>
+            <p:cNvPr id="154" name="Rectangle 8">
+              <a:extLst>
+                <a:ext uri="{FF2B5EF4-FFF2-40B4-BE49-F238E27FC236}">
+                  <a16:creationId xmlns:a16="http://schemas.microsoft.com/office/drawing/2014/main" id="{335C551E-AACD-456A-92CB-F0A29C68D1C5}"/>
+                </a:ext>
+              </a:extLst>
+            </p:cNvPr>
+            <p:cNvSpPr/>
+            <p:nvPr/>
+          </p:nvSpPr>
+          <p:spPr>
+            <a:xfrm>
+              <a:off x="3928136" y="4604744"/>
+              <a:ext cx="708186" cy="285783"/>
+            </a:xfrm>
+            <a:prstGeom prst="rect">
+              <a:avLst/>
+            </a:prstGeom>
+            <a:ln w="19050">
+              <a:solidFill>
+                <a:srgbClr val="7030A0"/>
+              </a:solidFill>
+            </a:ln>
+            <a:effectLst/>
+          </p:spPr>
+          <p:style>
+            <a:lnRef idx="1">
+              <a:schemeClr val="accent4"/>
+            </a:lnRef>
+            <a:fillRef idx="2">
+              <a:schemeClr val="accent4"/>
+            </a:fillRef>
+            <a:effectRef idx="1">
+              <a:schemeClr val="accent4"/>
+            </a:effectRef>
+            <a:fontRef idx="minor">
+              <a:schemeClr val="dk1"/>
+            </a:fontRef>
+          </p:style>
+          <p:txBody>
+            <a:bodyPr rtlCol="0" anchor="ctr"/>
+            <a:lstStyle/>
+            <a:p>
+              <a:pPr algn="ctr"/>
+              <a:r>
+                <a:rPr lang="en-US" sz="1050" dirty="0">
+                  <a:solidFill>
+                    <a:srgbClr val="7030A0"/>
+                  </a:solidFill>
+                </a:rPr>
+                <a:t>Semester</a:t>
+              </a:r>
+              <a:endParaRPr lang="en-SG" sz="1050" dirty="0">
+                <a:solidFill>
+                  <a:srgbClr val="7030A0"/>
+                </a:solidFill>
+              </a:endParaRPr>
+            </a:p>
+          </p:txBody>
+        </p:sp>
+        <p:sp>
+          <p:nvSpPr>
+            <p:cNvPr id="169" name="Flowchart: Decision 96">
+              <a:extLst>
+                <a:ext uri="{FF2B5EF4-FFF2-40B4-BE49-F238E27FC236}">
+                  <a16:creationId xmlns:a16="http://schemas.microsoft.com/office/drawing/2014/main" id="{A48D7C74-92E4-456E-9114-1DD45D66CE05}"/>
+                </a:ext>
+              </a:extLst>
+            </p:cNvPr>
+            <p:cNvSpPr/>
+            <p:nvPr/>
+          </p:nvSpPr>
+          <p:spPr>
+            <a:xfrm rot="5400000">
+              <a:off x="4845466" y="4037259"/>
+              <a:ext cx="236048" cy="173380"/>
+            </a:xfrm>
+            <a:prstGeom prst="flowChartDecision">
+              <a:avLst/>
+            </a:prstGeom>
+            <a:solidFill>
+              <a:srgbClr val="7030A0"/>
+            </a:solidFill>
+            <a:ln w="19050">
+              <a:solidFill>
+                <a:srgbClr val="7030A0"/>
+              </a:solidFill>
+            </a:ln>
+            <a:effectLst/>
+          </p:spPr>
+          <p:style>
+            <a:lnRef idx="1">
+              <a:schemeClr val="accent6"/>
+            </a:lnRef>
+            <a:fillRef idx="2">
+              <a:schemeClr val="accent6"/>
+            </a:fillRef>
+            <a:effectRef idx="1">
+              <a:schemeClr val="accent6"/>
+            </a:effectRef>
+            <a:fontRef idx="minor">
+              <a:schemeClr val="dk1"/>
+            </a:fontRef>
+          </p:style>
+          <p:txBody>
+            <a:bodyPr rtlCol="0" anchor="ctr"/>
+            <a:lstStyle/>
+            <a:p>
+              <a:pPr algn="ctr"/>
+              <a:endParaRPr lang="en-US" sz="1050"/>
+            </a:p>
+          </p:txBody>
+        </p:sp>
+        <p:cxnSp>
+          <p:nvCxnSpPr>
+            <p:cNvPr id="172" name="Elbow Connector 78">
+              <a:extLst>
+                <a:ext uri="{FF2B5EF4-FFF2-40B4-BE49-F238E27FC236}">
+                  <a16:creationId xmlns:a16="http://schemas.microsoft.com/office/drawing/2014/main" id="{AC7A95F2-9661-4719-B630-80ECCCB9E126}"/>
+                </a:ext>
+              </a:extLst>
+            </p:cNvPr>
+            <p:cNvCxnSpPr>
+              <a:cxnSpLocks/>
+              <a:stCxn id="169" idx="3"/>
+              <a:endCxn id="154" idx="3"/>
+            </p:cNvCxnSpPr>
+            <p:nvPr/>
+          </p:nvCxnSpPr>
+          <p:spPr>
+            <a:xfrm rot="5400000">
+              <a:off x="4547075" y="4331220"/>
+              <a:ext cx="505663" cy="327168"/>
+            </a:xfrm>
+            <a:prstGeom prst="bentConnector2">
+              <a:avLst/>
+            </a:prstGeom>
+            <a:ln w="19050">
+              <a:solidFill>
+                <a:srgbClr val="7030A0"/>
+              </a:solidFill>
+              <a:headEnd type="none" w="med" len="med"/>
+              <a:tailEnd type="arrow" w="med" len="med"/>
+            </a:ln>
+            <a:effectLst/>
+          </p:spPr>
+          <p:style>
+            <a:lnRef idx="1">
+              <a:schemeClr val="accent2"/>
+            </a:lnRef>
+            <a:fillRef idx="2">
+              <a:schemeClr val="accent2"/>
+            </a:fillRef>
+            <a:effectRef idx="1">
+              <a:schemeClr val="accent2"/>
+            </a:effectRef>
+            <a:fontRef idx="minor">
+              <a:schemeClr val="dk1"/>
+            </a:fontRef>
+          </p:style>
+        </p:cxnSp>
+        <p:cxnSp>
+          <p:nvCxnSpPr>
+            <p:cNvPr id="177" name="Elbow Connector 80">
+              <a:extLst>
+                <a:ext uri="{FF2B5EF4-FFF2-40B4-BE49-F238E27FC236}">
+                  <a16:creationId xmlns:a16="http://schemas.microsoft.com/office/drawing/2014/main" id="{82532109-F157-41D5-BB69-25BE0783BEB7}"/>
+                </a:ext>
+              </a:extLst>
+            </p:cNvPr>
+            <p:cNvCxnSpPr>
+              <a:cxnSpLocks/>
+            </p:cNvCxnSpPr>
+            <p:nvPr/>
+          </p:nvCxnSpPr>
+          <p:spPr>
+            <a:xfrm>
+              <a:off x="3865756" y="3438411"/>
+              <a:ext cx="900000" cy="174066"/>
+            </a:xfrm>
+            <a:prstGeom prst="bentConnector3">
+              <a:avLst>
+                <a:gd name="adj1" fmla="val 99913"/>
+              </a:avLst>
+            </a:prstGeom>
+            <a:ln w="19050">
+              <a:solidFill>
+                <a:srgbClr val="7030A0"/>
+              </a:solidFill>
+              <a:headEnd type="none" w="med" len="med"/>
+              <a:tailEnd type="arrow" w="med" len="med"/>
+            </a:ln>
+            <a:effectLst/>
+          </p:spPr>
+          <p:style>
+            <a:lnRef idx="1">
+              <a:schemeClr val="accent2"/>
+            </a:lnRef>
+            <a:fillRef idx="2">
+              <a:schemeClr val="accent2"/>
+            </a:fillRef>
+            <a:effectRef idx="1">
+              <a:schemeClr val="accent2"/>
+            </a:effectRef>
+            <a:fontRef idx="minor">
+              <a:schemeClr val="dk1"/>
+            </a:fontRef>
+          </p:style>
+        </p:cxnSp>
+        <p:sp>
+          <p:nvSpPr>
+            <p:cNvPr id="184" name="TextBox 183">
+              <a:extLst>
+                <a:ext uri="{FF2B5EF4-FFF2-40B4-BE49-F238E27FC236}">
+                  <a16:creationId xmlns:a16="http://schemas.microsoft.com/office/drawing/2014/main" id="{11591EB6-5EF5-4858-8097-08FBBED30254}"/>
+                </a:ext>
+              </a:extLst>
+            </p:cNvPr>
+            <p:cNvSpPr txBox="1"/>
+            <p:nvPr/>
+          </p:nvSpPr>
+          <p:spPr>
+            <a:xfrm>
+              <a:off x="5766985" y="3399520"/>
+              <a:ext cx="881018" cy="261610"/>
+            </a:xfrm>
+            <a:prstGeom prst="rect">
+              <a:avLst/>
+            </a:prstGeom>
+            <a:noFill/>
+          </p:spPr>
+          <p:txBody>
+            <a:bodyPr wrap="square" rtlCol="0">
+              <a:spAutoFit/>
+            </a:bodyPr>
+            <a:lstStyle/>
+            <a:p>
+              <a:pPr algn="r"/>
+              <a:r>
+                <a:rPr lang="en-US" sz="1100" dirty="0">
+                  <a:solidFill>
+                    <a:srgbClr val="7030A0"/>
+                  </a:solidFill>
+                </a:rPr>
+                <a:t>filtered list</a:t>
+              </a:r>
+              <a:endParaRPr lang="en-SG" sz="1100" dirty="0">
+                <a:solidFill>
+                  <a:srgbClr val="7030A0"/>
+                </a:solidFill>
+              </a:endParaRPr>
+            </a:p>
+          </p:txBody>
+        </p:sp>
+        <p:cxnSp>
+          <p:nvCxnSpPr>
+            <p:cNvPr id="187" name="Elbow Connector 80">
+              <a:extLst>
+                <a:ext uri="{FF2B5EF4-FFF2-40B4-BE49-F238E27FC236}">
+                  <a16:creationId xmlns:a16="http://schemas.microsoft.com/office/drawing/2014/main" id="{08E430FE-989B-4ACF-96E8-A1CFB6DF6CA6}"/>
+                </a:ext>
+              </a:extLst>
+            </p:cNvPr>
+            <p:cNvCxnSpPr>
+              <a:cxnSpLocks/>
+              <a:endCxn id="152" idx="0"/>
+            </p:cNvCxnSpPr>
+            <p:nvPr/>
+          </p:nvCxnSpPr>
+          <p:spPr>
+            <a:xfrm>
+              <a:off x="3849277" y="3438072"/>
+              <a:ext cx="4788000" cy="178025"/>
+            </a:xfrm>
+            <a:prstGeom prst="bentConnector2">
+              <a:avLst/>
+            </a:prstGeom>
+            <a:ln w="19050">
+              <a:solidFill>
+                <a:srgbClr val="7030A0"/>
+              </a:solidFill>
+              <a:headEnd type="none" w="med" len="med"/>
+              <a:tailEnd type="arrow" w="med" len="med"/>
+            </a:ln>
+            <a:effectLst/>
+          </p:spPr>
+          <p:style>
+            <a:lnRef idx="1">
+              <a:schemeClr val="accent2"/>
+            </a:lnRef>
+            <a:fillRef idx="2">
+              <a:schemeClr val="accent2"/>
+            </a:fillRef>
+            <a:effectRef idx="1">
+              <a:schemeClr val="accent2"/>
+            </a:effectRef>
+            <a:fontRef idx="minor">
+              <a:schemeClr val="dk1"/>
+            </a:fontRef>
+          </p:style>
+        </p:cxnSp>
+        <p:sp>
+          <p:nvSpPr>
+            <p:cNvPr id="188" name="TextBox 187">
+              <a:extLst>
+                <a:ext uri="{FF2B5EF4-FFF2-40B4-BE49-F238E27FC236}">
+                  <a16:creationId xmlns:a16="http://schemas.microsoft.com/office/drawing/2014/main" id="{5DB08BC3-610B-465E-9C02-7BB32CF70DBB}"/>
+                </a:ext>
+              </a:extLst>
+            </p:cNvPr>
+            <p:cNvSpPr txBox="1"/>
+            <p:nvPr/>
+          </p:nvSpPr>
+          <p:spPr>
+            <a:xfrm>
+              <a:off x="7763904" y="3393425"/>
+              <a:ext cx="881018" cy="261610"/>
+            </a:xfrm>
+            <a:prstGeom prst="rect">
+              <a:avLst/>
+            </a:prstGeom>
+            <a:noFill/>
+          </p:spPr>
+          <p:txBody>
+            <a:bodyPr wrap="square" rtlCol="0">
+              <a:spAutoFit/>
+            </a:bodyPr>
+            <a:lstStyle/>
+            <a:p>
+              <a:pPr algn="r"/>
+              <a:r>
+                <a:rPr lang="en-US" sz="1100" dirty="0">
+                  <a:solidFill>
+                    <a:srgbClr val="7030A0"/>
+                  </a:solidFill>
+                </a:rPr>
+                <a:t>filtered list</a:t>
+              </a:r>
+              <a:endParaRPr lang="en-SG" sz="1100" dirty="0">
+                <a:solidFill>
+                  <a:srgbClr val="7030A0"/>
+                </a:solidFill>
+              </a:endParaRPr>
+            </a:p>
+          </p:txBody>
+        </p:sp>
+        <p:cxnSp>
+          <p:nvCxnSpPr>
+            <p:cNvPr id="201" name="Straight Connector 200">
+              <a:extLst>
+                <a:ext uri="{FF2B5EF4-FFF2-40B4-BE49-F238E27FC236}">
+                  <a16:creationId xmlns:a16="http://schemas.microsoft.com/office/drawing/2014/main" id="{9C8570A7-6C05-496E-9DC2-7FEA01A031C3}"/>
+                </a:ext>
+              </a:extLst>
+            </p:cNvPr>
+            <p:cNvCxnSpPr>
+              <a:cxnSpLocks/>
+            </p:cNvCxnSpPr>
+            <p:nvPr/>
+          </p:nvCxnSpPr>
+          <p:spPr>
+            <a:xfrm>
+              <a:off x="5216756" y="3200400"/>
+              <a:ext cx="0" cy="412077"/>
+            </a:xfrm>
+            <a:prstGeom prst="line">
+              <a:avLst/>
+            </a:prstGeom>
+            <a:ln w="19050">
+              <a:solidFill>
+                <a:srgbClr val="7030A0"/>
+              </a:solidFill>
+              <a:headEnd type="none" w="med" len="med"/>
+              <a:tailEnd type="arrow" w="med" len="med"/>
+            </a:ln>
+          </p:spPr>
+          <p:style>
+            <a:lnRef idx="1">
+              <a:schemeClr val="accent1"/>
+            </a:lnRef>
+            <a:fillRef idx="0">
+              <a:schemeClr val="accent1"/>
+            </a:fillRef>
+            <a:effectRef idx="0">
+              <a:schemeClr val="accent1"/>
+            </a:effectRef>
+            <a:fontRef idx="minor">
+              <a:schemeClr val="tx1"/>
+            </a:fontRef>
+          </p:style>
+        </p:cxnSp>
+        <p:cxnSp>
+          <p:nvCxnSpPr>
+            <p:cNvPr id="212" name="Connector: Elbow 211">
+              <a:extLst>
+                <a:ext uri="{FF2B5EF4-FFF2-40B4-BE49-F238E27FC236}">
+                  <a16:creationId xmlns:a16="http://schemas.microsoft.com/office/drawing/2014/main" id="{0A226616-5ACF-4942-AAED-1DCA53F3B4D4}"/>
+                </a:ext>
+              </a:extLst>
+            </p:cNvPr>
+            <p:cNvCxnSpPr>
+              <a:cxnSpLocks/>
+              <a:endCxn id="216" idx="2"/>
+            </p:cNvCxnSpPr>
+            <p:nvPr/>
+          </p:nvCxnSpPr>
+          <p:spPr>
+            <a:xfrm flipV="1">
+              <a:off x="5216756" y="3151107"/>
+              <a:ext cx="2379761" cy="56686"/>
+            </a:xfrm>
+            <a:prstGeom prst="bentConnector3">
+              <a:avLst>
+                <a:gd name="adj1" fmla="val -24"/>
+              </a:avLst>
+            </a:prstGeom>
+            <a:ln w="19050">
+              <a:solidFill>
+                <a:srgbClr val="7030A0"/>
+              </a:solidFill>
+            </a:ln>
+          </p:spPr>
+          <p:style>
+            <a:lnRef idx="1">
+              <a:schemeClr val="accent1"/>
+            </a:lnRef>
+            <a:fillRef idx="0">
+              <a:schemeClr val="accent1"/>
+            </a:fillRef>
+            <a:effectRef idx="0">
+              <a:schemeClr val="accent1"/>
+            </a:effectRef>
+            <a:fontRef idx="minor">
+              <a:schemeClr val="tx1"/>
+            </a:fontRef>
+          </p:style>
+        </p:cxnSp>
+        <p:sp>
+          <p:nvSpPr>
+            <p:cNvPr id="216" name="Flowchart: Decision 96">
+              <a:extLst>
+                <a:ext uri="{FF2B5EF4-FFF2-40B4-BE49-F238E27FC236}">
+                  <a16:creationId xmlns:a16="http://schemas.microsoft.com/office/drawing/2014/main" id="{50B60635-F8CA-488C-AF5E-3FA324AE2D74}"/>
+                </a:ext>
+              </a:extLst>
+            </p:cNvPr>
+            <p:cNvSpPr/>
+            <p:nvPr/>
+          </p:nvSpPr>
+          <p:spPr>
+            <a:xfrm rot="5400000">
+              <a:off x="7565183" y="3064417"/>
+              <a:ext cx="236048" cy="173380"/>
+            </a:xfrm>
+            <a:prstGeom prst="flowChartDecision">
+              <a:avLst/>
+            </a:prstGeom>
+            <a:noFill/>
+            <a:ln w="19050">
+              <a:solidFill>
+                <a:srgbClr val="7030A0"/>
+              </a:solidFill>
+            </a:ln>
+            <a:effectLst/>
+          </p:spPr>
+          <p:style>
+            <a:lnRef idx="1">
+              <a:schemeClr val="accent6"/>
+            </a:lnRef>
+            <a:fillRef idx="2">
+              <a:schemeClr val="accent6"/>
+            </a:fillRef>
+            <a:effectRef idx="1">
+              <a:schemeClr val="accent6"/>
+            </a:effectRef>
+            <a:fontRef idx="minor">
+              <a:schemeClr val="dk1"/>
+            </a:fontRef>
+          </p:style>
+          <p:txBody>
+            <a:bodyPr rtlCol="0" anchor="ctr"/>
+            <a:lstStyle/>
+            <a:p>
+              <a:pPr algn="ctr"/>
+              <a:endParaRPr lang="en-US" sz="1050"/>
+            </a:p>
+          </p:txBody>
+        </p:sp>
+        <p:sp>
+          <p:nvSpPr>
+            <p:cNvPr id="222" name="TextBox 221">
+              <a:extLst>
+                <a:ext uri="{FF2B5EF4-FFF2-40B4-BE49-F238E27FC236}">
+                  <a16:creationId xmlns:a16="http://schemas.microsoft.com/office/drawing/2014/main" id="{B286F011-AEA0-4A2A-9D58-9A13EF701E9D}"/>
+                </a:ext>
+              </a:extLst>
+            </p:cNvPr>
+            <p:cNvSpPr txBox="1"/>
+            <p:nvPr/>
+          </p:nvSpPr>
+          <p:spPr>
+            <a:xfrm>
+              <a:off x="5214699" y="3485902"/>
+              <a:ext cx="189257" cy="178683"/>
+            </a:xfrm>
+            <a:prstGeom prst="rect">
+              <a:avLst/>
+            </a:prstGeom>
+            <a:noFill/>
+          </p:spPr>
+          <p:txBody>
+            <a:bodyPr wrap="square" lIns="0" tIns="0" rIns="0" bIns="0" rtlCol="0">
+              <a:noAutofit/>
+            </a:bodyPr>
+            <a:lstStyle/>
+            <a:p>
+              <a:pPr algn="ctr"/>
+              <a:r>
+                <a:rPr lang="en-US" sz="1100" dirty="0">
+                  <a:solidFill>
+                    <a:srgbClr val="7030A0"/>
+                  </a:solidFill>
+                </a:rPr>
+                <a:t>*</a:t>
+              </a:r>
+              <a:endParaRPr lang="en-SG" sz="1100" dirty="0">
+                <a:solidFill>
+                  <a:srgbClr val="7030A0"/>
+                </a:solidFill>
+              </a:endParaRPr>
+            </a:p>
+          </p:txBody>
+        </p:sp>
+        <p:sp>
+          <p:nvSpPr>
+            <p:cNvPr id="223" name="Flowchart: Decision 96">
+              <a:extLst>
+                <a:ext uri="{FF2B5EF4-FFF2-40B4-BE49-F238E27FC236}">
+                  <a16:creationId xmlns:a16="http://schemas.microsoft.com/office/drawing/2014/main" id="{155347D8-5A2B-4F44-A79C-D5365AB3FB91}"/>
+                </a:ext>
+              </a:extLst>
+            </p:cNvPr>
+            <p:cNvSpPr/>
+            <p:nvPr/>
+          </p:nvSpPr>
+          <p:spPr>
+            <a:xfrm>
+              <a:off x="8402943" y="1944505"/>
+              <a:ext cx="236048" cy="173380"/>
+            </a:xfrm>
+            <a:prstGeom prst="flowChartDecision">
+              <a:avLst/>
+            </a:prstGeom>
+            <a:noFill/>
+            <a:ln w="19050">
+              <a:solidFill>
+                <a:srgbClr val="7030A0"/>
+              </a:solidFill>
+            </a:ln>
+            <a:effectLst/>
+          </p:spPr>
+          <p:style>
+            <a:lnRef idx="1">
+              <a:schemeClr val="accent6"/>
+            </a:lnRef>
+            <a:fillRef idx="2">
+              <a:schemeClr val="accent6"/>
+            </a:fillRef>
+            <a:effectRef idx="1">
+              <a:schemeClr val="accent6"/>
+            </a:effectRef>
+            <a:fontRef idx="minor">
+              <a:schemeClr val="dk1"/>
+            </a:fontRef>
+          </p:style>
+          <p:txBody>
+            <a:bodyPr rtlCol="0" anchor="ctr"/>
+            <a:lstStyle/>
+            <a:p>
+              <a:pPr algn="ctr"/>
+              <a:endParaRPr lang="en-US" sz="1050"/>
+            </a:p>
+          </p:txBody>
+        </p:sp>
+        <p:sp>
+          <p:nvSpPr>
+            <p:cNvPr id="224" name="Flowchart: Decision 96">
+              <a:extLst>
+                <a:ext uri="{FF2B5EF4-FFF2-40B4-BE49-F238E27FC236}">
+                  <a16:creationId xmlns:a16="http://schemas.microsoft.com/office/drawing/2014/main" id="{36C0FDB5-A0AE-4A3D-A5E1-3C94727A7139}"/>
+                </a:ext>
+              </a:extLst>
+            </p:cNvPr>
+            <p:cNvSpPr/>
+            <p:nvPr/>
+          </p:nvSpPr>
+          <p:spPr>
+            <a:xfrm>
+              <a:off x="8398954" y="2340557"/>
+              <a:ext cx="236048" cy="173380"/>
+            </a:xfrm>
+            <a:prstGeom prst="flowChartDecision">
+              <a:avLst/>
+            </a:prstGeom>
+            <a:noFill/>
+            <a:ln w="19050">
+              <a:solidFill>
+                <a:srgbClr val="7030A0"/>
+              </a:solidFill>
+            </a:ln>
+            <a:effectLst/>
+          </p:spPr>
+          <p:style>
+            <a:lnRef idx="1">
+              <a:schemeClr val="accent6"/>
+            </a:lnRef>
+            <a:fillRef idx="2">
+              <a:schemeClr val="accent6"/>
+            </a:fillRef>
+            <a:effectRef idx="1">
+              <a:schemeClr val="accent6"/>
+            </a:effectRef>
+            <a:fontRef idx="minor">
+              <a:schemeClr val="dk1"/>
+            </a:fontRef>
+          </p:style>
+          <p:txBody>
+            <a:bodyPr rtlCol="0" anchor="ctr"/>
+            <a:lstStyle/>
+            <a:p>
+              <a:pPr algn="ctr"/>
+              <a:endParaRPr lang="en-US" sz="1050"/>
+            </a:p>
+          </p:txBody>
+        </p:sp>
+        <p:cxnSp>
+          <p:nvCxnSpPr>
+            <p:cNvPr id="229" name="Straight Connector 228">
+              <a:extLst>
+                <a:ext uri="{FF2B5EF4-FFF2-40B4-BE49-F238E27FC236}">
+                  <a16:creationId xmlns:a16="http://schemas.microsoft.com/office/drawing/2014/main" id="{85E5A76B-68AC-4382-914E-A562B37E2EFE}"/>
+                </a:ext>
+              </a:extLst>
+            </p:cNvPr>
+            <p:cNvCxnSpPr>
+              <a:cxnSpLocks/>
+            </p:cNvCxnSpPr>
+            <p:nvPr/>
+          </p:nvCxnSpPr>
+          <p:spPr>
+            <a:xfrm>
+              <a:off x="7018185" y="3313477"/>
+              <a:ext cx="6439" cy="298999"/>
+            </a:xfrm>
+            <a:prstGeom prst="line">
+              <a:avLst/>
+            </a:prstGeom>
+            <a:ln w="19050">
+              <a:solidFill>
+                <a:srgbClr val="7030A0"/>
+              </a:solidFill>
+              <a:headEnd type="none" w="med" len="med"/>
+              <a:tailEnd type="arrow" w="med" len="med"/>
+            </a:ln>
+          </p:spPr>
+          <p:style>
+            <a:lnRef idx="1">
+              <a:schemeClr val="accent1"/>
+            </a:lnRef>
+            <a:fillRef idx="0">
+              <a:schemeClr val="accent1"/>
+            </a:fillRef>
+            <a:effectRef idx="0">
+              <a:schemeClr val="accent1"/>
+            </a:effectRef>
+            <a:fontRef idx="minor">
+              <a:schemeClr val="tx1"/>
+            </a:fontRef>
+          </p:style>
+        </p:cxnSp>
+        <p:cxnSp>
+          <p:nvCxnSpPr>
+            <p:cNvPr id="234" name="Connector: Elbow 233">
+              <a:extLst>
+                <a:ext uri="{FF2B5EF4-FFF2-40B4-BE49-F238E27FC236}">
+                  <a16:creationId xmlns:a16="http://schemas.microsoft.com/office/drawing/2014/main" id="{2E22549F-43B2-43C8-BC47-3B7039974C8E}"/>
+                </a:ext>
+              </a:extLst>
+            </p:cNvPr>
+            <p:cNvCxnSpPr>
+              <a:cxnSpLocks/>
+            </p:cNvCxnSpPr>
+            <p:nvPr/>
+          </p:nvCxnSpPr>
+          <p:spPr>
+            <a:xfrm>
+              <a:off x="7008645" y="3313477"/>
+              <a:ext cx="1503300" cy="1"/>
+            </a:xfrm>
+            <a:prstGeom prst="bentConnector3">
+              <a:avLst>
+                <a:gd name="adj1" fmla="val 49044"/>
+              </a:avLst>
+            </a:prstGeom>
+            <a:ln w="19050">
+              <a:solidFill>
+                <a:srgbClr val="7030A0"/>
+              </a:solidFill>
+            </a:ln>
+          </p:spPr>
+          <p:style>
+            <a:lnRef idx="1">
+              <a:schemeClr val="accent1"/>
+            </a:lnRef>
+            <a:fillRef idx="0">
+              <a:schemeClr val="accent1"/>
+            </a:fillRef>
+            <a:effectRef idx="0">
+              <a:schemeClr val="accent1"/>
+            </a:effectRef>
+            <a:fontRef idx="minor">
+              <a:schemeClr val="tx1"/>
+            </a:fontRef>
+          </p:style>
+        </p:cxnSp>
+        <p:cxnSp>
+          <p:nvCxnSpPr>
+            <p:cNvPr id="238" name="Straight Connector 237">
+              <a:extLst>
+                <a:ext uri="{FF2B5EF4-FFF2-40B4-BE49-F238E27FC236}">
+                  <a16:creationId xmlns:a16="http://schemas.microsoft.com/office/drawing/2014/main" id="{CD8EC359-951E-4328-8AF7-57363A274364}"/>
+                </a:ext>
+              </a:extLst>
+            </p:cNvPr>
+            <p:cNvCxnSpPr>
+              <a:cxnSpLocks/>
+              <a:stCxn id="224" idx="2"/>
+            </p:cNvCxnSpPr>
+            <p:nvPr/>
+          </p:nvCxnSpPr>
+          <p:spPr>
+            <a:xfrm>
+              <a:off x="8516978" y="2513937"/>
+              <a:ext cx="0" cy="806400"/>
+            </a:xfrm>
+            <a:prstGeom prst="line">
+              <a:avLst/>
+            </a:prstGeom>
+            <a:ln w="19050">
+              <a:solidFill>
+                <a:srgbClr val="7030A0"/>
+              </a:solidFill>
+            </a:ln>
+          </p:spPr>
+          <p:style>
+            <a:lnRef idx="1">
+              <a:schemeClr val="accent1"/>
+            </a:lnRef>
+            <a:fillRef idx="0">
+              <a:schemeClr val="accent1"/>
+            </a:fillRef>
+            <a:effectRef idx="0">
+              <a:schemeClr val="accent1"/>
+            </a:effectRef>
+            <a:fontRef idx="minor">
+              <a:schemeClr val="tx1"/>
+            </a:fontRef>
+          </p:style>
+        </p:cxnSp>
+        <p:sp>
+          <p:nvSpPr>
+            <p:cNvPr id="246" name="TextBox 245">
+              <a:extLst>
+                <a:ext uri="{FF2B5EF4-FFF2-40B4-BE49-F238E27FC236}">
+                  <a16:creationId xmlns:a16="http://schemas.microsoft.com/office/drawing/2014/main" id="{0A87C003-582A-42DD-9DCC-3F61488BDB73}"/>
+                </a:ext>
+              </a:extLst>
+            </p:cNvPr>
+            <p:cNvSpPr txBox="1"/>
+            <p:nvPr/>
+          </p:nvSpPr>
+          <p:spPr>
+            <a:xfrm>
+              <a:off x="7033169" y="3493528"/>
+              <a:ext cx="189257" cy="178683"/>
+            </a:xfrm>
+            <a:prstGeom prst="rect">
+              <a:avLst/>
+            </a:prstGeom>
+            <a:noFill/>
+          </p:spPr>
+          <p:txBody>
+            <a:bodyPr wrap="square" lIns="0" tIns="0" rIns="0" bIns="0" rtlCol="0">
+              <a:noAutofit/>
+            </a:bodyPr>
+            <a:lstStyle/>
+            <a:p>
+              <a:pPr algn="ctr"/>
+              <a:r>
+                <a:rPr lang="en-US" sz="1100" dirty="0">
+                  <a:solidFill>
+                    <a:srgbClr val="7030A0"/>
+                  </a:solidFill>
+                </a:rPr>
+                <a:t>*</a:t>
+              </a:r>
+              <a:endParaRPr lang="en-SG" sz="1100" dirty="0">
+                <a:solidFill>
+                  <a:srgbClr val="7030A0"/>
+                </a:solidFill>
+              </a:endParaRPr>
+            </a:p>
+          </p:txBody>
+        </p:sp>
+        <p:sp>
+          <p:nvSpPr>
+            <p:cNvPr id="250" name="TextBox 249">
+              <a:extLst>
+                <a:ext uri="{FF2B5EF4-FFF2-40B4-BE49-F238E27FC236}">
+                  <a16:creationId xmlns:a16="http://schemas.microsoft.com/office/drawing/2014/main" id="{823E45A4-4083-41AE-8F07-8F355CE24203}"/>
+                </a:ext>
+              </a:extLst>
+            </p:cNvPr>
+            <p:cNvSpPr txBox="1"/>
+            <p:nvPr/>
+          </p:nvSpPr>
+          <p:spPr>
+            <a:xfrm>
+              <a:off x="9087947" y="3493528"/>
+              <a:ext cx="189257" cy="178683"/>
+            </a:xfrm>
+            <a:prstGeom prst="rect">
+              <a:avLst/>
+            </a:prstGeom>
+            <a:noFill/>
+          </p:spPr>
+          <p:txBody>
+            <a:bodyPr wrap="square" lIns="0" tIns="0" rIns="0" bIns="0" rtlCol="0">
+              <a:noAutofit/>
+            </a:bodyPr>
+            <a:lstStyle/>
+            <a:p>
+              <a:pPr algn="ctr"/>
+              <a:r>
+                <a:rPr lang="en-US" sz="1100" dirty="0">
+                  <a:solidFill>
+                    <a:srgbClr val="7030A0"/>
+                  </a:solidFill>
+                </a:rPr>
+                <a:t>*</a:t>
+              </a:r>
+              <a:endParaRPr lang="en-SG" sz="1100" dirty="0">
+                <a:solidFill>
+                  <a:srgbClr val="7030A0"/>
+                </a:solidFill>
+              </a:endParaRPr>
+            </a:p>
+          </p:txBody>
+        </p:sp>
+        <p:sp>
+          <p:nvSpPr>
+            <p:cNvPr id="254" name="TextBox 253">
+              <a:extLst>
+                <a:ext uri="{FF2B5EF4-FFF2-40B4-BE49-F238E27FC236}">
+                  <a16:creationId xmlns:a16="http://schemas.microsoft.com/office/drawing/2014/main" id="{01D24BF0-1EA1-44D6-9F9E-69A6BBA025A3}"/>
+                </a:ext>
+              </a:extLst>
+            </p:cNvPr>
+            <p:cNvSpPr txBox="1"/>
+            <p:nvPr/>
+          </p:nvSpPr>
+          <p:spPr>
+            <a:xfrm>
+              <a:off x="4781560" y="3465471"/>
+              <a:ext cx="189257" cy="178683"/>
+            </a:xfrm>
+            <a:prstGeom prst="rect">
+              <a:avLst/>
+            </a:prstGeom>
+            <a:noFill/>
+          </p:spPr>
+          <p:txBody>
+            <a:bodyPr wrap="square" lIns="0" tIns="0" rIns="0" bIns="0" rtlCol="0">
+              <a:noAutofit/>
+            </a:bodyPr>
+            <a:lstStyle/>
+            <a:p>
+              <a:pPr algn="ctr"/>
+              <a:r>
+                <a:rPr lang="en-US" sz="1100" dirty="0">
+                  <a:solidFill>
+                    <a:srgbClr val="7030A0"/>
+                  </a:solidFill>
+                </a:rPr>
+                <a:t>1</a:t>
+              </a:r>
+              <a:endParaRPr lang="en-SG" sz="1100" dirty="0">
+                <a:solidFill>
+                  <a:srgbClr val="7030A0"/>
+                </a:solidFill>
+              </a:endParaRPr>
+            </a:p>
+          </p:txBody>
+        </p:sp>
+        <p:sp>
+          <p:nvSpPr>
+            <p:cNvPr id="255" name="TextBox 254">
+              <a:extLst>
+                <a:ext uri="{FF2B5EF4-FFF2-40B4-BE49-F238E27FC236}">
+                  <a16:creationId xmlns:a16="http://schemas.microsoft.com/office/drawing/2014/main" id="{8A385253-6DCF-4905-872B-FC0C62B19C59}"/>
+                </a:ext>
+              </a:extLst>
+            </p:cNvPr>
+            <p:cNvSpPr txBox="1"/>
+            <p:nvPr/>
+          </p:nvSpPr>
+          <p:spPr>
+            <a:xfrm>
+              <a:off x="6649942" y="3445465"/>
+              <a:ext cx="189257" cy="178683"/>
+            </a:xfrm>
+            <a:prstGeom prst="rect">
+              <a:avLst/>
+            </a:prstGeom>
+            <a:noFill/>
+          </p:spPr>
+          <p:txBody>
+            <a:bodyPr wrap="square" lIns="0" tIns="0" rIns="0" bIns="0" rtlCol="0">
+              <a:noAutofit/>
+            </a:bodyPr>
+            <a:lstStyle/>
+            <a:p>
+              <a:pPr algn="ctr"/>
+              <a:r>
+                <a:rPr lang="en-US" sz="1100" dirty="0">
+                  <a:solidFill>
+                    <a:srgbClr val="7030A0"/>
+                  </a:solidFill>
+                </a:rPr>
+                <a:t>1</a:t>
+              </a:r>
+              <a:endParaRPr lang="en-SG" sz="1100" dirty="0">
+                <a:solidFill>
+                  <a:srgbClr val="7030A0"/>
+                </a:solidFill>
+              </a:endParaRPr>
+            </a:p>
+          </p:txBody>
+        </p:sp>
+        <p:sp>
+          <p:nvSpPr>
+            <p:cNvPr id="257" name="TextBox 256">
+              <a:extLst>
+                <a:ext uri="{FF2B5EF4-FFF2-40B4-BE49-F238E27FC236}">
+                  <a16:creationId xmlns:a16="http://schemas.microsoft.com/office/drawing/2014/main" id="{ED34694C-C91A-4AF3-BAB2-C14824106008}"/>
+                </a:ext>
+              </a:extLst>
+            </p:cNvPr>
+            <p:cNvSpPr txBox="1"/>
+            <p:nvPr/>
+          </p:nvSpPr>
+          <p:spPr>
+            <a:xfrm>
+              <a:off x="8648094" y="3447430"/>
+              <a:ext cx="189257" cy="178683"/>
+            </a:xfrm>
+            <a:prstGeom prst="rect">
+              <a:avLst/>
+            </a:prstGeom>
+            <a:noFill/>
+          </p:spPr>
+          <p:txBody>
+            <a:bodyPr wrap="square" lIns="0" tIns="0" rIns="0" bIns="0" rtlCol="0">
+              <a:noAutofit/>
+            </a:bodyPr>
+            <a:lstStyle/>
+            <a:p>
+              <a:pPr algn="ctr"/>
+              <a:r>
+                <a:rPr lang="en-US" sz="1100" dirty="0">
+                  <a:solidFill>
+                    <a:srgbClr val="7030A0"/>
+                  </a:solidFill>
+                </a:rPr>
+                <a:t>1</a:t>
+              </a:r>
+              <a:endParaRPr lang="en-SG" sz="1100" dirty="0">
+                <a:solidFill>
+                  <a:srgbClr val="7030A0"/>
+                </a:solidFill>
+              </a:endParaRPr>
+            </a:p>
+          </p:txBody>
+        </p:sp>
+        <p:sp>
+          <p:nvSpPr>
+            <p:cNvPr id="258" name="Flowchart: Decision 96">
+              <a:extLst>
+                <a:ext uri="{FF2B5EF4-FFF2-40B4-BE49-F238E27FC236}">
+                  <a16:creationId xmlns:a16="http://schemas.microsoft.com/office/drawing/2014/main" id="{F24DA72C-5953-4CBA-A923-2ED7AD812A8D}"/>
+                </a:ext>
+              </a:extLst>
+            </p:cNvPr>
+            <p:cNvSpPr/>
+            <p:nvPr/>
+          </p:nvSpPr>
+          <p:spPr>
+            <a:xfrm rot="5400000">
+              <a:off x="8742928" y="4052226"/>
+              <a:ext cx="236048" cy="173380"/>
+            </a:xfrm>
+            <a:prstGeom prst="flowChartDecision">
+              <a:avLst/>
+            </a:prstGeom>
+            <a:solidFill>
+              <a:srgbClr val="7030A0"/>
+            </a:solidFill>
+            <a:ln w="19050">
+              <a:solidFill>
+                <a:srgbClr val="7030A0"/>
+              </a:solidFill>
+            </a:ln>
+            <a:effectLst/>
+          </p:spPr>
+          <p:style>
+            <a:lnRef idx="1">
+              <a:schemeClr val="accent6"/>
+            </a:lnRef>
+            <a:fillRef idx="2">
+              <a:schemeClr val="accent6"/>
+            </a:fillRef>
+            <a:effectRef idx="1">
+              <a:schemeClr val="accent6"/>
+            </a:effectRef>
+            <a:fontRef idx="minor">
+              <a:schemeClr val="dk1"/>
+            </a:fontRef>
+          </p:style>
+          <p:txBody>
+            <a:bodyPr rtlCol="0" anchor="ctr"/>
+            <a:lstStyle/>
+            <a:p>
+              <a:pPr algn="ctr"/>
+              <a:endParaRPr lang="en-US" sz="1050"/>
+            </a:p>
+          </p:txBody>
+        </p:sp>
+        <p:cxnSp>
+          <p:nvCxnSpPr>
+            <p:cNvPr id="259" name="Elbow Connector 78">
+              <a:extLst>
+                <a:ext uri="{FF2B5EF4-FFF2-40B4-BE49-F238E27FC236}">
+                  <a16:creationId xmlns:a16="http://schemas.microsoft.com/office/drawing/2014/main" id="{A3F737E1-59B9-4FC8-BD3B-D7747366E833}"/>
+                </a:ext>
+              </a:extLst>
+            </p:cNvPr>
+            <p:cNvCxnSpPr>
+              <a:cxnSpLocks/>
+              <a:stCxn id="258" idx="3"/>
+              <a:endCxn id="76" idx="3"/>
+            </p:cNvCxnSpPr>
+            <p:nvPr/>
+          </p:nvCxnSpPr>
+          <p:spPr>
+            <a:xfrm rot="5400000">
+              <a:off x="8532683" y="3928671"/>
+              <a:ext cx="1" cy="656539"/>
+            </a:xfrm>
+            <a:prstGeom prst="bentConnector2">
+              <a:avLst/>
+            </a:prstGeom>
+            <a:ln w="19050">
+              <a:solidFill>
+                <a:srgbClr val="7030A0"/>
+              </a:solidFill>
+              <a:headEnd type="none" w="med" len="med"/>
+              <a:tailEnd type="arrow" w="med" len="med"/>
+            </a:ln>
+            <a:effectLst/>
+          </p:spPr>
+          <p:style>
+            <a:lnRef idx="1">
+              <a:schemeClr val="accent2"/>
+            </a:lnRef>
+            <a:fillRef idx="2">
+              <a:schemeClr val="accent2"/>
+            </a:fillRef>
+            <a:effectRef idx="1">
+              <a:schemeClr val="accent2"/>
+            </a:effectRef>
+            <a:fontRef idx="minor">
+              <a:schemeClr val="dk1"/>
+            </a:fontRef>
+          </p:style>
+        </p:cxnSp>
+        <p:cxnSp>
+          <p:nvCxnSpPr>
+            <p:cNvPr id="260" name="Elbow Connector 78">
+              <a:extLst>
+                <a:ext uri="{FF2B5EF4-FFF2-40B4-BE49-F238E27FC236}">
+                  <a16:creationId xmlns:a16="http://schemas.microsoft.com/office/drawing/2014/main" id="{7759CE56-6405-4F67-8CDD-C93FFE385FD2}"/>
+                </a:ext>
+              </a:extLst>
+            </p:cNvPr>
+            <p:cNvCxnSpPr>
+              <a:cxnSpLocks/>
+              <a:stCxn id="258" idx="3"/>
+              <a:endCxn id="52" idx="3"/>
+            </p:cNvCxnSpPr>
+            <p:nvPr/>
+          </p:nvCxnSpPr>
+          <p:spPr>
+            <a:xfrm rot="5400000">
+              <a:off x="8187639" y="4273715"/>
+              <a:ext cx="690089" cy="656539"/>
+            </a:xfrm>
+            <a:prstGeom prst="bentConnector2">
+              <a:avLst/>
+            </a:prstGeom>
+            <a:ln w="19050">
+              <a:solidFill>
+                <a:srgbClr val="7030A0"/>
+              </a:solidFill>
+              <a:headEnd type="none" w="med" len="med"/>
+              <a:tailEnd type="arrow" w="med" len="med"/>
+            </a:ln>
+            <a:effectLst/>
+          </p:spPr>
+          <p:style>
+            <a:lnRef idx="1">
+              <a:schemeClr val="accent2"/>
+            </a:lnRef>
+            <a:fillRef idx="2">
+              <a:schemeClr val="accent2"/>
+            </a:fillRef>
+            <a:effectRef idx="1">
+              <a:schemeClr val="accent2"/>
+            </a:effectRef>
+            <a:fontRef idx="minor">
+              <a:schemeClr val="dk1"/>
+            </a:fontRef>
+          </p:style>
+        </p:cxnSp>
+        <p:cxnSp>
+          <p:nvCxnSpPr>
+            <p:cNvPr id="267" name="Elbow Connector 78">
+              <a:extLst>
+                <a:ext uri="{FF2B5EF4-FFF2-40B4-BE49-F238E27FC236}">
+                  <a16:creationId xmlns:a16="http://schemas.microsoft.com/office/drawing/2014/main" id="{631B79EE-DE66-4A3D-B044-00CF38811A4C}"/>
+                </a:ext>
+              </a:extLst>
+            </p:cNvPr>
+            <p:cNvCxnSpPr>
+              <a:cxnSpLocks/>
+              <a:stCxn id="258" idx="3"/>
+              <a:endCxn id="80" idx="3"/>
+            </p:cNvCxnSpPr>
+            <p:nvPr/>
+          </p:nvCxnSpPr>
+          <p:spPr>
+            <a:xfrm rot="5400000">
+              <a:off x="8360161" y="4101193"/>
+              <a:ext cx="345045" cy="656539"/>
+            </a:xfrm>
+            <a:prstGeom prst="bentConnector2">
+              <a:avLst/>
+            </a:prstGeom>
+            <a:ln w="19050">
+              <a:solidFill>
+                <a:srgbClr val="7030A0"/>
+              </a:solidFill>
+              <a:headEnd type="none" w="med" len="med"/>
+              <a:tailEnd type="arrow" w="med" len="med"/>
+            </a:ln>
+            <a:effectLst/>
+          </p:spPr>
+          <p:style>
+            <a:lnRef idx="1">
+              <a:schemeClr val="accent2"/>
+            </a:lnRef>
+            <a:fillRef idx="2">
+              <a:schemeClr val="accent2"/>
+            </a:fillRef>
+            <a:effectRef idx="1">
+              <a:schemeClr val="accent2"/>
+            </a:effectRef>
+            <a:fontRef idx="minor">
+              <a:schemeClr val="dk1"/>
+            </a:fontRef>
+          </p:style>
+        </p:cxnSp>
+        <p:cxnSp>
+          <p:nvCxnSpPr>
+            <p:cNvPr id="270" name="Elbow Connector 78">
+              <a:extLst>
+                <a:ext uri="{FF2B5EF4-FFF2-40B4-BE49-F238E27FC236}">
+                  <a16:creationId xmlns:a16="http://schemas.microsoft.com/office/drawing/2014/main" id="{A239B318-52AC-4318-BDB3-056E8D0973FA}"/>
+                </a:ext>
+              </a:extLst>
+            </p:cNvPr>
+            <p:cNvCxnSpPr>
+              <a:cxnSpLocks/>
+              <a:endCxn id="83" idx="1"/>
+            </p:cNvCxnSpPr>
+            <p:nvPr/>
+          </p:nvCxnSpPr>
+          <p:spPr>
+            <a:xfrm>
+              <a:off x="4905497" y="4747635"/>
+              <a:ext cx="1545103" cy="500656"/>
+            </a:xfrm>
+            <a:prstGeom prst="bentConnector3">
+              <a:avLst>
+                <a:gd name="adj1" fmla="val 74566"/>
+              </a:avLst>
+            </a:prstGeom>
+            <a:ln w="19050">
+              <a:solidFill>
+                <a:srgbClr val="7030A0"/>
+              </a:solidFill>
+              <a:headEnd type="none" w="med" len="med"/>
+              <a:tailEnd type="arrow" w="med" len="med"/>
+            </a:ln>
+            <a:effectLst/>
+          </p:spPr>
+          <p:style>
+            <a:lnRef idx="1">
+              <a:schemeClr val="accent2"/>
+            </a:lnRef>
+            <a:fillRef idx="2">
+              <a:schemeClr val="accent2"/>
+            </a:fillRef>
+            <a:effectRef idx="1">
+              <a:schemeClr val="accent2"/>
+            </a:effectRef>
+            <a:fontRef idx="minor">
+              <a:schemeClr val="dk1"/>
+            </a:fontRef>
+          </p:style>
+        </p:cxnSp>
+        <p:cxnSp>
+          <p:nvCxnSpPr>
+            <p:cNvPr id="275" name="Elbow Connector 78">
+              <a:extLst>
+                <a:ext uri="{FF2B5EF4-FFF2-40B4-BE49-F238E27FC236}">
+                  <a16:creationId xmlns:a16="http://schemas.microsoft.com/office/drawing/2014/main" id="{A52BB31D-68B6-40C1-9F63-596B09EA9E6C}"/>
+                </a:ext>
+              </a:extLst>
+            </p:cNvPr>
+            <p:cNvCxnSpPr>
+              <a:cxnSpLocks/>
+              <a:stCxn id="258" idx="3"/>
+              <a:endCxn id="83" idx="3"/>
+            </p:cNvCxnSpPr>
+            <p:nvPr/>
+          </p:nvCxnSpPr>
+          <p:spPr>
+            <a:xfrm rot="5400000">
+              <a:off x="7514194" y="3901532"/>
+              <a:ext cx="991351" cy="1702166"/>
+            </a:xfrm>
+            <a:prstGeom prst="bentConnector2">
+              <a:avLst/>
+            </a:prstGeom>
+            <a:ln w="19050">
+              <a:solidFill>
+                <a:srgbClr val="7030A0"/>
+              </a:solidFill>
+              <a:headEnd type="none" w="med" len="med"/>
+              <a:tailEnd type="arrow" w="med" len="med"/>
+            </a:ln>
+            <a:effectLst/>
+          </p:spPr>
+          <p:style>
+            <a:lnRef idx="1">
+              <a:schemeClr val="accent2"/>
+            </a:lnRef>
+            <a:fillRef idx="2">
+              <a:schemeClr val="accent2"/>
+            </a:fillRef>
+            <a:effectRef idx="1">
+              <a:schemeClr val="accent2"/>
+            </a:effectRef>
+            <a:fontRef idx="minor">
+              <a:schemeClr val="dk1"/>
+            </a:fontRef>
+          </p:style>
+        </p:cxnSp>
+        <p:sp>
+          <p:nvSpPr>
+            <p:cNvPr id="281" name="Flowchart: Decision 96">
+              <a:extLst>
+                <a:ext uri="{FF2B5EF4-FFF2-40B4-BE49-F238E27FC236}">
+                  <a16:creationId xmlns:a16="http://schemas.microsoft.com/office/drawing/2014/main" id="{DF9A4FE9-2318-40C9-B729-06B781B26C9A}"/>
+                </a:ext>
+              </a:extLst>
+            </p:cNvPr>
+            <p:cNvSpPr/>
+            <p:nvPr/>
+          </p:nvSpPr>
+          <p:spPr>
+            <a:xfrm rot="5400000">
+              <a:off x="6687403" y="4021462"/>
+              <a:ext cx="236048" cy="173380"/>
+            </a:xfrm>
+            <a:prstGeom prst="flowChartDecision">
+              <a:avLst/>
+            </a:prstGeom>
+            <a:solidFill>
+              <a:srgbClr val="7030A0"/>
+            </a:solidFill>
+            <a:ln w="19050">
+              <a:solidFill>
+                <a:srgbClr val="7030A0"/>
+              </a:solidFill>
+            </a:ln>
+            <a:effectLst/>
+          </p:spPr>
+          <p:style>
+            <a:lnRef idx="1">
+              <a:schemeClr val="accent6"/>
+            </a:lnRef>
+            <a:fillRef idx="2">
+              <a:schemeClr val="accent6"/>
+            </a:fillRef>
+            <a:effectRef idx="1">
+              <a:schemeClr val="accent6"/>
+            </a:effectRef>
+            <a:fontRef idx="minor">
+              <a:schemeClr val="dk1"/>
+            </a:fontRef>
+          </p:style>
+          <p:txBody>
+            <a:bodyPr rtlCol="0" anchor="ctr"/>
+            <a:lstStyle/>
+            <a:p>
+              <a:pPr algn="ctr"/>
+              <a:endParaRPr lang="en-US" sz="1050"/>
+            </a:p>
+          </p:txBody>
+        </p:sp>
+        <p:cxnSp>
+          <p:nvCxnSpPr>
+            <p:cNvPr id="282" name="Elbow Connector 78">
+              <a:extLst>
+                <a:ext uri="{FF2B5EF4-FFF2-40B4-BE49-F238E27FC236}">
+                  <a16:creationId xmlns:a16="http://schemas.microsoft.com/office/drawing/2014/main" id="{6DBE4FDA-9F56-4DB1-B1EE-D3998C99ACA4}"/>
+                </a:ext>
+              </a:extLst>
+            </p:cNvPr>
+            <p:cNvCxnSpPr>
+              <a:cxnSpLocks/>
+              <a:stCxn id="281" idx="3"/>
+              <a:endCxn id="83" idx="0"/>
+            </p:cNvCxnSpPr>
+            <p:nvPr/>
+          </p:nvCxnSpPr>
+          <p:spPr>
+            <a:xfrm rot="5400000">
+              <a:off x="6365449" y="4665420"/>
+              <a:ext cx="879223" cy="734"/>
+            </a:xfrm>
+            <a:prstGeom prst="bentConnector3">
+              <a:avLst>
+                <a:gd name="adj1" fmla="val 50000"/>
+              </a:avLst>
+            </a:prstGeom>
+            <a:ln w="19050">
+              <a:solidFill>
+                <a:srgbClr val="7030A0"/>
+              </a:solidFill>
+              <a:headEnd type="none" w="med" len="med"/>
+              <a:tailEnd type="arrow" w="med" len="med"/>
+            </a:ln>
+            <a:effectLst/>
+          </p:spPr>
+          <p:style>
+            <a:lnRef idx="1">
+              <a:schemeClr val="accent2"/>
+            </a:lnRef>
+            <a:fillRef idx="2">
+              <a:schemeClr val="accent2"/>
+            </a:fillRef>
+            <a:effectRef idx="1">
+              <a:schemeClr val="accent2"/>
+            </a:effectRef>
+            <a:fontRef idx="minor">
+              <a:schemeClr val="dk1"/>
+            </a:fontRef>
+          </p:style>
+        </p:cxnSp>
+        <p:cxnSp>
+          <p:nvCxnSpPr>
+            <p:cNvPr id="286" name="Elbow Connector 78">
+              <a:extLst>
+                <a:ext uri="{FF2B5EF4-FFF2-40B4-BE49-F238E27FC236}">
+                  <a16:creationId xmlns:a16="http://schemas.microsoft.com/office/drawing/2014/main" id="{83B299B0-4601-4CDD-970E-C4AC015CD90F}"/>
+                </a:ext>
+              </a:extLst>
+            </p:cNvPr>
+            <p:cNvCxnSpPr>
+              <a:cxnSpLocks/>
+              <a:stCxn id="281" idx="3"/>
+              <a:endCxn id="76" idx="1"/>
+            </p:cNvCxnSpPr>
+            <p:nvPr/>
+          </p:nvCxnSpPr>
+          <p:spPr>
+            <a:xfrm rot="16200000" flipH="1">
+              <a:off x="7135445" y="3896158"/>
+              <a:ext cx="30765" cy="690800"/>
+            </a:xfrm>
+            <a:prstGeom prst="bentConnector2">
+              <a:avLst/>
+            </a:prstGeom>
+            <a:ln w="19050">
+              <a:solidFill>
+                <a:srgbClr val="7030A0"/>
+              </a:solidFill>
+              <a:headEnd type="none" w="med" len="med"/>
+              <a:tailEnd type="arrow" w="med" len="med"/>
+            </a:ln>
+            <a:effectLst/>
+          </p:spPr>
+          <p:style>
+            <a:lnRef idx="1">
+              <a:schemeClr val="accent2"/>
+            </a:lnRef>
+            <a:fillRef idx="2">
+              <a:schemeClr val="accent2"/>
+            </a:fillRef>
+            <a:effectRef idx="1">
+              <a:schemeClr val="accent2"/>
+            </a:effectRef>
+            <a:fontRef idx="minor">
+              <a:schemeClr val="dk1"/>
+            </a:fontRef>
+          </p:style>
+        </p:cxnSp>
+        <p:cxnSp>
+          <p:nvCxnSpPr>
+            <p:cNvPr id="289" name="Elbow Connector 78">
+              <a:extLst>
+                <a:ext uri="{FF2B5EF4-FFF2-40B4-BE49-F238E27FC236}">
+                  <a16:creationId xmlns:a16="http://schemas.microsoft.com/office/drawing/2014/main" id="{020A7FE1-F72C-467D-9820-ECA6C8292423}"/>
+                </a:ext>
+              </a:extLst>
+            </p:cNvPr>
+            <p:cNvCxnSpPr>
+              <a:cxnSpLocks/>
+              <a:stCxn id="281" idx="3"/>
+              <a:endCxn id="80" idx="1"/>
+            </p:cNvCxnSpPr>
+            <p:nvPr/>
+          </p:nvCxnSpPr>
+          <p:spPr>
+            <a:xfrm rot="16200000" flipH="1">
+              <a:off x="6962923" y="4068680"/>
+              <a:ext cx="375809" cy="690800"/>
+            </a:xfrm>
+            <a:prstGeom prst="bentConnector2">
+              <a:avLst/>
+            </a:prstGeom>
+            <a:ln w="19050">
+              <a:solidFill>
+                <a:srgbClr val="7030A0"/>
+              </a:solidFill>
+              <a:headEnd type="none" w="med" len="med"/>
+              <a:tailEnd type="arrow" w="med" len="med"/>
+            </a:ln>
+            <a:effectLst/>
+          </p:spPr>
+          <p:style>
+            <a:lnRef idx="1">
+              <a:schemeClr val="accent2"/>
+            </a:lnRef>
+            <a:fillRef idx="2">
+              <a:schemeClr val="accent2"/>
+            </a:fillRef>
+            <a:effectRef idx="1">
+              <a:schemeClr val="accent2"/>
+            </a:effectRef>
+            <a:fontRef idx="minor">
+              <a:schemeClr val="dk1"/>
+            </a:fontRef>
+          </p:style>
+        </p:cxnSp>
+        <p:sp>
+          <p:nvSpPr>
+            <p:cNvPr id="292" name="TextBox 291">
+              <a:extLst>
+                <a:ext uri="{FF2B5EF4-FFF2-40B4-BE49-F238E27FC236}">
+                  <a16:creationId xmlns:a16="http://schemas.microsoft.com/office/drawing/2014/main" id="{27A426A0-67BC-4A27-8F3E-41EF700AC244}"/>
+                </a:ext>
+              </a:extLst>
+            </p:cNvPr>
+            <p:cNvSpPr txBox="1"/>
+            <p:nvPr/>
+          </p:nvSpPr>
+          <p:spPr>
+            <a:xfrm>
+              <a:off x="8194915" y="4302234"/>
+              <a:ext cx="189257" cy="178683"/>
+            </a:xfrm>
+            <a:prstGeom prst="rect">
+              <a:avLst/>
+            </a:prstGeom>
+            <a:noFill/>
+          </p:spPr>
+          <p:txBody>
+            <a:bodyPr wrap="square" lIns="0" tIns="0" rIns="0" bIns="0" rtlCol="0">
+              <a:noAutofit/>
+            </a:bodyPr>
+            <a:lstStyle/>
+            <a:p>
+              <a:pPr algn="ctr"/>
+              <a:r>
+                <a:rPr lang="en-US" sz="1100" dirty="0">
+                  <a:solidFill>
+                    <a:srgbClr val="7030A0"/>
+                  </a:solidFill>
+                </a:rPr>
+                <a:t>1</a:t>
+              </a:r>
+              <a:endParaRPr lang="en-SG" sz="1100" dirty="0">
+                <a:solidFill>
+                  <a:srgbClr val="7030A0"/>
+                </a:solidFill>
+              </a:endParaRPr>
+            </a:p>
+          </p:txBody>
+        </p:sp>
+        <p:sp>
+          <p:nvSpPr>
+            <p:cNvPr id="293" name="TextBox 292">
+              <a:extLst>
+                <a:ext uri="{FF2B5EF4-FFF2-40B4-BE49-F238E27FC236}">
+                  <a16:creationId xmlns:a16="http://schemas.microsoft.com/office/drawing/2014/main" id="{0718EFE2-E636-4A8F-A9BA-383B07829E86}"/>
+                </a:ext>
+              </a:extLst>
+            </p:cNvPr>
+            <p:cNvSpPr txBox="1"/>
+            <p:nvPr/>
+          </p:nvSpPr>
+          <p:spPr>
+            <a:xfrm>
+              <a:off x="8194915" y="4654277"/>
+              <a:ext cx="189257" cy="178683"/>
+            </a:xfrm>
+            <a:prstGeom prst="rect">
+              <a:avLst/>
+            </a:prstGeom>
+            <a:noFill/>
+          </p:spPr>
+          <p:txBody>
+            <a:bodyPr wrap="square" lIns="0" tIns="0" rIns="0" bIns="0" rtlCol="0">
+              <a:noAutofit/>
+            </a:bodyPr>
+            <a:lstStyle/>
+            <a:p>
+              <a:pPr algn="ctr"/>
+              <a:r>
+                <a:rPr lang="en-US" sz="1100" dirty="0">
+                  <a:solidFill>
+                    <a:srgbClr val="7030A0"/>
+                  </a:solidFill>
+                </a:rPr>
+                <a:t>1</a:t>
+              </a:r>
+              <a:endParaRPr lang="en-SG" sz="1100" dirty="0">
+                <a:solidFill>
+                  <a:srgbClr val="7030A0"/>
+                </a:solidFill>
+              </a:endParaRPr>
+            </a:p>
+          </p:txBody>
+        </p:sp>
+        <p:sp>
+          <p:nvSpPr>
+            <p:cNvPr id="294" name="TextBox 293">
+              <a:extLst>
+                <a:ext uri="{FF2B5EF4-FFF2-40B4-BE49-F238E27FC236}">
+                  <a16:creationId xmlns:a16="http://schemas.microsoft.com/office/drawing/2014/main" id="{001A7F0E-D90F-403E-899A-066723419C30}"/>
+                </a:ext>
+              </a:extLst>
+            </p:cNvPr>
+            <p:cNvSpPr txBox="1"/>
+            <p:nvPr/>
+          </p:nvSpPr>
+          <p:spPr>
+            <a:xfrm>
+              <a:off x="8198860" y="5017823"/>
+              <a:ext cx="189257" cy="178683"/>
+            </a:xfrm>
+            <a:prstGeom prst="rect">
+              <a:avLst/>
+            </a:prstGeom>
+            <a:noFill/>
+          </p:spPr>
+          <p:txBody>
+            <a:bodyPr wrap="square" lIns="0" tIns="0" rIns="0" bIns="0" rtlCol="0">
+              <a:noAutofit/>
+            </a:bodyPr>
+            <a:lstStyle/>
+            <a:p>
+              <a:pPr algn="ctr"/>
+              <a:r>
+                <a:rPr lang="en-US" sz="1100" dirty="0">
+                  <a:solidFill>
+                    <a:srgbClr val="7030A0"/>
+                  </a:solidFill>
+                </a:rPr>
+                <a:t>*</a:t>
+              </a:r>
+              <a:endParaRPr lang="en-SG" sz="1100" dirty="0">
+                <a:solidFill>
+                  <a:srgbClr val="7030A0"/>
+                </a:solidFill>
+              </a:endParaRPr>
+            </a:p>
+          </p:txBody>
+        </p:sp>
+        <p:sp>
+          <p:nvSpPr>
+            <p:cNvPr id="295" name="TextBox 294">
+              <a:extLst>
+                <a:ext uri="{FF2B5EF4-FFF2-40B4-BE49-F238E27FC236}">
+                  <a16:creationId xmlns:a16="http://schemas.microsoft.com/office/drawing/2014/main" id="{1C7718CC-2468-451D-BC4B-60209A63ECBA}"/>
+                </a:ext>
+              </a:extLst>
+            </p:cNvPr>
+            <p:cNvSpPr txBox="1"/>
+            <p:nvPr/>
+          </p:nvSpPr>
+          <p:spPr>
+            <a:xfrm>
+              <a:off x="7324357" y="4316275"/>
+              <a:ext cx="189257" cy="178683"/>
+            </a:xfrm>
+            <a:prstGeom prst="rect">
+              <a:avLst/>
+            </a:prstGeom>
+            <a:noFill/>
+          </p:spPr>
+          <p:txBody>
+            <a:bodyPr wrap="square" lIns="0" tIns="0" rIns="0" bIns="0" rtlCol="0">
+              <a:noAutofit/>
+            </a:bodyPr>
+            <a:lstStyle/>
+            <a:p>
+              <a:pPr algn="ctr"/>
+              <a:r>
+                <a:rPr lang="en-US" sz="1100" dirty="0">
+                  <a:solidFill>
+                    <a:srgbClr val="7030A0"/>
+                  </a:solidFill>
+                </a:rPr>
+                <a:t>1</a:t>
+              </a:r>
+              <a:endParaRPr lang="en-SG" sz="1100" dirty="0">
+                <a:solidFill>
+                  <a:srgbClr val="7030A0"/>
+                </a:solidFill>
+              </a:endParaRPr>
+            </a:p>
+          </p:txBody>
+        </p:sp>
+        <p:sp>
+          <p:nvSpPr>
+            <p:cNvPr id="296" name="TextBox 295">
+              <a:extLst>
+                <a:ext uri="{FF2B5EF4-FFF2-40B4-BE49-F238E27FC236}">
+                  <a16:creationId xmlns:a16="http://schemas.microsoft.com/office/drawing/2014/main" id="{5F3DC573-EFF3-4A63-A1D4-8DD81E8AC346}"/>
+                </a:ext>
+              </a:extLst>
+            </p:cNvPr>
+            <p:cNvSpPr txBox="1"/>
+            <p:nvPr/>
+          </p:nvSpPr>
+          <p:spPr>
+            <a:xfrm>
+              <a:off x="7324357" y="4675008"/>
+              <a:ext cx="189257" cy="178683"/>
+            </a:xfrm>
+            <a:prstGeom prst="rect">
+              <a:avLst/>
+            </a:prstGeom>
+            <a:noFill/>
+          </p:spPr>
+          <p:txBody>
+            <a:bodyPr wrap="square" lIns="0" tIns="0" rIns="0" bIns="0" rtlCol="0">
+              <a:noAutofit/>
+            </a:bodyPr>
+            <a:lstStyle/>
+            <a:p>
+              <a:pPr algn="ctr"/>
+              <a:r>
+                <a:rPr lang="en-US" sz="1100" dirty="0">
+                  <a:solidFill>
+                    <a:srgbClr val="7030A0"/>
+                  </a:solidFill>
+                </a:rPr>
+                <a:t>1</a:t>
+              </a:r>
+              <a:endParaRPr lang="en-SG" sz="1100" dirty="0">
+                <a:solidFill>
+                  <a:srgbClr val="7030A0"/>
+                </a:solidFill>
+              </a:endParaRPr>
+            </a:p>
+          </p:txBody>
+        </p:sp>
+        <p:sp>
+          <p:nvSpPr>
+            <p:cNvPr id="297" name="TextBox 296">
+              <a:extLst>
+                <a:ext uri="{FF2B5EF4-FFF2-40B4-BE49-F238E27FC236}">
+                  <a16:creationId xmlns:a16="http://schemas.microsoft.com/office/drawing/2014/main" id="{87EA14A9-B959-4DE4-BCCF-F9399FD00067}"/>
+                </a:ext>
+              </a:extLst>
+            </p:cNvPr>
+            <p:cNvSpPr txBox="1"/>
+            <p:nvPr/>
+          </p:nvSpPr>
+          <p:spPr>
+            <a:xfrm>
+              <a:off x="6828928" y="4944706"/>
+              <a:ext cx="189257" cy="178683"/>
+            </a:xfrm>
+            <a:prstGeom prst="rect">
+              <a:avLst/>
+            </a:prstGeom>
+            <a:noFill/>
+          </p:spPr>
+          <p:txBody>
+            <a:bodyPr wrap="square" lIns="0" tIns="0" rIns="0" bIns="0" rtlCol="0">
+              <a:noAutofit/>
+            </a:bodyPr>
+            <a:lstStyle/>
+            <a:p>
+              <a:pPr algn="ctr"/>
+              <a:r>
+                <a:rPr lang="en-US" sz="1100" dirty="0">
+                  <a:solidFill>
+                    <a:srgbClr val="7030A0"/>
+                  </a:solidFill>
+                </a:rPr>
+                <a:t>*</a:t>
+              </a:r>
+              <a:endParaRPr lang="en-SG" sz="1100" dirty="0">
+                <a:solidFill>
+                  <a:srgbClr val="7030A0"/>
+                </a:solidFill>
+              </a:endParaRPr>
+            </a:p>
+          </p:txBody>
+        </p:sp>
+        <p:sp>
+          <p:nvSpPr>
+            <p:cNvPr id="298" name="TextBox 297">
+              <a:extLst>
+                <a:ext uri="{FF2B5EF4-FFF2-40B4-BE49-F238E27FC236}">
+                  <a16:creationId xmlns:a16="http://schemas.microsoft.com/office/drawing/2014/main" id="{C94D8AC4-88C6-493D-A5BE-1A20D9EC8A81}"/>
+                </a:ext>
+              </a:extLst>
+            </p:cNvPr>
+            <p:cNvSpPr txBox="1"/>
+            <p:nvPr/>
+          </p:nvSpPr>
+          <p:spPr>
+            <a:xfrm>
+              <a:off x="4624912" y="4441037"/>
+              <a:ext cx="189257" cy="178683"/>
+            </a:xfrm>
+            <a:prstGeom prst="rect">
+              <a:avLst/>
+            </a:prstGeom>
+            <a:noFill/>
+          </p:spPr>
+          <p:txBody>
+            <a:bodyPr wrap="square" lIns="0" tIns="0" rIns="0" bIns="0" rtlCol="0">
+              <a:noAutofit/>
+            </a:bodyPr>
+            <a:lstStyle/>
+            <a:p>
+              <a:pPr algn="ctr"/>
+              <a:r>
+                <a:rPr lang="en-US" sz="1100" dirty="0">
+                  <a:solidFill>
+                    <a:srgbClr val="7030A0"/>
+                  </a:solidFill>
+                </a:rPr>
+                <a:t>1</a:t>
+              </a:r>
+              <a:endParaRPr lang="en-SG" sz="1100" dirty="0">
+                <a:solidFill>
+                  <a:srgbClr val="7030A0"/>
+                </a:solidFill>
+              </a:endParaRPr>
+            </a:p>
+          </p:txBody>
+        </p:sp>
+        <p:sp>
+          <p:nvSpPr>
+            <p:cNvPr id="299" name="TextBox 298">
+              <a:extLst>
+                <a:ext uri="{FF2B5EF4-FFF2-40B4-BE49-F238E27FC236}">
+                  <a16:creationId xmlns:a16="http://schemas.microsoft.com/office/drawing/2014/main" id="{70CA0611-0253-4EF0-ABF8-5B562ABCEEE4}"/>
+                </a:ext>
+              </a:extLst>
+            </p:cNvPr>
+            <p:cNvSpPr txBox="1"/>
+            <p:nvPr/>
+          </p:nvSpPr>
+          <p:spPr>
+            <a:xfrm>
+              <a:off x="4615833" y="4801185"/>
+              <a:ext cx="189257" cy="178683"/>
+            </a:xfrm>
+            <a:prstGeom prst="rect">
+              <a:avLst/>
+            </a:prstGeom>
+            <a:noFill/>
+          </p:spPr>
+          <p:txBody>
+            <a:bodyPr wrap="square" lIns="0" tIns="0" rIns="0" bIns="0" rtlCol="0">
+              <a:noAutofit/>
+            </a:bodyPr>
+            <a:lstStyle/>
+            <a:p>
+              <a:pPr algn="ctr"/>
+              <a:r>
+                <a:rPr lang="en-US" sz="1100" dirty="0">
+                  <a:solidFill>
+                    <a:srgbClr val="7030A0"/>
+                  </a:solidFill>
+                </a:rPr>
+                <a:t>1</a:t>
+              </a:r>
+              <a:endParaRPr lang="en-SG" sz="1100" dirty="0">
+                <a:solidFill>
+                  <a:srgbClr val="7030A0"/>
+                </a:solidFill>
+              </a:endParaRPr>
+            </a:p>
+          </p:txBody>
+        </p:sp>
+        <p:sp>
+          <p:nvSpPr>
+            <p:cNvPr id="300" name="TextBox 299">
+              <a:extLst>
+                <a:ext uri="{FF2B5EF4-FFF2-40B4-BE49-F238E27FC236}">
+                  <a16:creationId xmlns:a16="http://schemas.microsoft.com/office/drawing/2014/main" id="{320C9E44-B40D-497A-B2D7-D9A93C753EFC}"/>
+                </a:ext>
+              </a:extLst>
+            </p:cNvPr>
+            <p:cNvSpPr txBox="1"/>
+            <p:nvPr/>
+          </p:nvSpPr>
+          <p:spPr>
+            <a:xfrm>
+              <a:off x="6238300" y="5306094"/>
+              <a:ext cx="189257" cy="178683"/>
+            </a:xfrm>
+            <a:prstGeom prst="rect">
+              <a:avLst/>
+            </a:prstGeom>
+            <a:noFill/>
+          </p:spPr>
+          <p:txBody>
+            <a:bodyPr wrap="square" lIns="0" tIns="0" rIns="0" bIns="0" rtlCol="0">
+              <a:noAutofit/>
+            </a:bodyPr>
+            <a:lstStyle/>
+            <a:p>
+              <a:pPr algn="ctr"/>
+              <a:r>
+                <a:rPr lang="en-US" sz="1100" dirty="0">
+                  <a:solidFill>
+                    <a:srgbClr val="7030A0"/>
+                  </a:solidFill>
+                </a:rPr>
+                <a:t>*</a:t>
+              </a:r>
+              <a:endParaRPr lang="en-SG" sz="1100" dirty="0">
+                <a:solidFill>
+                  <a:srgbClr val="7030A0"/>
+                </a:solidFill>
+              </a:endParaRPr>
+            </a:p>
+          </p:txBody>
+        </p:sp>
+        <p:sp>
+          <p:nvSpPr>
+            <p:cNvPr id="303" name="TextBox 302">
+              <a:extLst>
+                <a:ext uri="{FF2B5EF4-FFF2-40B4-BE49-F238E27FC236}">
+                  <a16:creationId xmlns:a16="http://schemas.microsoft.com/office/drawing/2014/main" id="{C6947CA9-FE52-48E6-A419-81A95666AC7C}"/>
+                </a:ext>
+              </a:extLst>
+            </p:cNvPr>
+            <p:cNvSpPr txBox="1"/>
+            <p:nvPr/>
+          </p:nvSpPr>
+          <p:spPr>
+            <a:xfrm>
+              <a:off x="7181829" y="5301839"/>
+              <a:ext cx="288557" cy="178683"/>
+            </a:xfrm>
+            <a:prstGeom prst="rect">
+              <a:avLst/>
+            </a:prstGeom>
+            <a:noFill/>
+          </p:spPr>
+          <p:txBody>
+            <a:bodyPr wrap="square" lIns="0" tIns="0" rIns="0" bIns="0" rtlCol="0">
+              <a:noAutofit/>
+            </a:bodyPr>
+            <a:lstStyle/>
+            <a:p>
+              <a:pPr algn="ctr"/>
+              <a:r>
+                <a:rPr lang="en-US" sz="1100" dirty="0">
+                  <a:solidFill>
+                    <a:srgbClr val="7030A0"/>
+                  </a:solidFill>
+                </a:rPr>
+                <a:t>1..*</a:t>
+              </a:r>
+              <a:endParaRPr lang="en-SG" sz="1100" dirty="0">
+                <a:solidFill>
+                  <a:srgbClr val="7030A0"/>
+                </a:solidFill>
+              </a:endParaRPr>
+            </a:p>
+          </p:txBody>
+        </p:sp>
       </p:grpSp>
     </p:spTree>
     <p:extLst>
